--- a/Project_3.pptx
+++ b/Project_3.pptx
@@ -7,12 +7,14 @@
   <p:sldIdLst>
     <p:sldId id="256" r:id="rId2"/>
     <p:sldId id="259" r:id="rId3"/>
-    <p:sldId id="261" r:id="rId4"/>
-    <p:sldId id="262" r:id="rId5"/>
-    <p:sldId id="265" r:id="rId6"/>
-    <p:sldId id="270" r:id="rId7"/>
-    <p:sldId id="271" r:id="rId8"/>
-    <p:sldId id="268" r:id="rId9"/>
+    <p:sldId id="272" r:id="rId4"/>
+    <p:sldId id="274" r:id="rId5"/>
+    <p:sldId id="261" r:id="rId6"/>
+    <p:sldId id="262" r:id="rId7"/>
+    <p:sldId id="265" r:id="rId8"/>
+    <p:sldId id="270" r:id="rId9"/>
+    <p:sldId id="271" r:id="rId10"/>
+    <p:sldId id="268" r:id="rId11"/>
   </p:sldIdLst>
   <p:sldSz cx="12192000" cy="6858000"/>
   <p:notesSz cx="6858000" cy="9144000"/>
@@ -266,7 +268,7 @@
           <a:p>
             <a:fld id="{EB99DA09-B8CC-BA4B-8AEB-B71BB772E501}" type="datetimeFigureOut">
               <a:rPr lang="en-US" smtClean="0"/>
-              <a:t>8/31/21</a:t>
+              <a:t>9/2/2021</a:t>
             </a:fld>
             <a:endParaRPr lang="en-US"/>
           </a:p>
@@ -320,7 +322,7 @@
           <a:p>
             <a:fld id="{3437CE24-9A1E-264B-8355-B8F23C8665AD}" type="slidenum">
               <a:rPr lang="en-US" smtClean="0"/>
-              <a:t>‹#›</a:t>
+              <a:t>‹Nº›</a:t>
             </a:fld>
             <a:endParaRPr lang="en-US"/>
           </a:p>
@@ -464,7 +466,7 @@
           <a:p>
             <a:fld id="{EB99DA09-B8CC-BA4B-8AEB-B71BB772E501}" type="datetimeFigureOut">
               <a:rPr lang="en-US" smtClean="0"/>
-              <a:t>8/31/21</a:t>
+              <a:t>9/2/2021</a:t>
             </a:fld>
             <a:endParaRPr lang="en-US"/>
           </a:p>
@@ -518,7 +520,7 @@
           <a:p>
             <a:fld id="{3437CE24-9A1E-264B-8355-B8F23C8665AD}" type="slidenum">
               <a:rPr lang="en-US" smtClean="0"/>
-              <a:t>‹#›</a:t>
+              <a:t>‹Nº›</a:t>
             </a:fld>
             <a:endParaRPr lang="en-US"/>
           </a:p>
@@ -672,7 +674,7 @@
           <a:p>
             <a:fld id="{EB99DA09-B8CC-BA4B-8AEB-B71BB772E501}" type="datetimeFigureOut">
               <a:rPr lang="en-US" smtClean="0"/>
-              <a:t>8/31/21</a:t>
+              <a:t>9/2/2021</a:t>
             </a:fld>
             <a:endParaRPr lang="en-US"/>
           </a:p>
@@ -726,7 +728,7 @@
           <a:p>
             <a:fld id="{3437CE24-9A1E-264B-8355-B8F23C8665AD}" type="slidenum">
               <a:rPr lang="en-US" smtClean="0"/>
-              <a:t>‹#›</a:t>
+              <a:t>‹Nº›</a:t>
             </a:fld>
             <a:endParaRPr lang="en-US"/>
           </a:p>
@@ -870,7 +872,7 @@
           <a:p>
             <a:fld id="{EB99DA09-B8CC-BA4B-8AEB-B71BB772E501}" type="datetimeFigureOut">
               <a:rPr lang="en-US" smtClean="0"/>
-              <a:t>8/31/21</a:t>
+              <a:t>9/2/2021</a:t>
             </a:fld>
             <a:endParaRPr lang="en-US"/>
           </a:p>
@@ -924,7 +926,7 @@
           <a:p>
             <a:fld id="{3437CE24-9A1E-264B-8355-B8F23C8665AD}" type="slidenum">
               <a:rPr lang="en-US" smtClean="0"/>
-              <a:t>‹#›</a:t>
+              <a:t>‹Nº›</a:t>
             </a:fld>
             <a:endParaRPr lang="en-US"/>
           </a:p>
@@ -1145,7 +1147,7 @@
           <a:p>
             <a:fld id="{EB99DA09-B8CC-BA4B-8AEB-B71BB772E501}" type="datetimeFigureOut">
               <a:rPr lang="en-US" smtClean="0"/>
-              <a:t>8/31/21</a:t>
+              <a:t>9/2/2021</a:t>
             </a:fld>
             <a:endParaRPr lang="en-US"/>
           </a:p>
@@ -1199,7 +1201,7 @@
           <a:p>
             <a:fld id="{3437CE24-9A1E-264B-8355-B8F23C8665AD}" type="slidenum">
               <a:rPr lang="en-US" smtClean="0"/>
-              <a:t>‹#›</a:t>
+              <a:t>‹Nº›</a:t>
             </a:fld>
             <a:endParaRPr lang="en-US"/>
           </a:p>
@@ -1410,7 +1412,7 @@
           <a:p>
             <a:fld id="{EB99DA09-B8CC-BA4B-8AEB-B71BB772E501}" type="datetimeFigureOut">
               <a:rPr lang="en-US" smtClean="0"/>
-              <a:t>8/31/21</a:t>
+              <a:t>9/2/2021</a:t>
             </a:fld>
             <a:endParaRPr lang="en-US"/>
           </a:p>
@@ -1464,7 +1466,7 @@
           <a:p>
             <a:fld id="{3437CE24-9A1E-264B-8355-B8F23C8665AD}" type="slidenum">
               <a:rPr lang="en-US" smtClean="0"/>
-              <a:t>‹#›</a:t>
+              <a:t>‹Nº›</a:t>
             </a:fld>
             <a:endParaRPr lang="en-US"/>
           </a:p>
@@ -1822,7 +1824,7 @@
           <a:p>
             <a:fld id="{EB99DA09-B8CC-BA4B-8AEB-B71BB772E501}" type="datetimeFigureOut">
               <a:rPr lang="en-US" smtClean="0"/>
-              <a:t>8/31/21</a:t>
+              <a:t>9/2/2021</a:t>
             </a:fld>
             <a:endParaRPr lang="en-US"/>
           </a:p>
@@ -1876,7 +1878,7 @@
           <a:p>
             <a:fld id="{3437CE24-9A1E-264B-8355-B8F23C8665AD}" type="slidenum">
               <a:rPr lang="en-US" smtClean="0"/>
-              <a:t>‹#›</a:t>
+              <a:t>‹Nº›</a:t>
             </a:fld>
             <a:endParaRPr lang="en-US"/>
           </a:p>
@@ -1963,7 +1965,7 @@
           <a:p>
             <a:fld id="{EB99DA09-B8CC-BA4B-8AEB-B71BB772E501}" type="datetimeFigureOut">
               <a:rPr lang="en-US" smtClean="0"/>
-              <a:t>8/31/21</a:t>
+              <a:t>9/2/2021</a:t>
             </a:fld>
             <a:endParaRPr lang="en-US"/>
           </a:p>
@@ -2017,7 +2019,7 @@
           <a:p>
             <a:fld id="{3437CE24-9A1E-264B-8355-B8F23C8665AD}" type="slidenum">
               <a:rPr lang="en-US" smtClean="0"/>
-              <a:t>‹#›</a:t>
+              <a:t>‹Nº›</a:t>
             </a:fld>
             <a:endParaRPr lang="en-US"/>
           </a:p>
@@ -2076,7 +2078,7 @@
           <a:p>
             <a:fld id="{EB99DA09-B8CC-BA4B-8AEB-B71BB772E501}" type="datetimeFigureOut">
               <a:rPr lang="en-US" smtClean="0"/>
-              <a:t>8/31/21</a:t>
+              <a:t>9/2/2021</a:t>
             </a:fld>
             <a:endParaRPr lang="en-US"/>
           </a:p>
@@ -2130,7 +2132,7 @@
           <a:p>
             <a:fld id="{3437CE24-9A1E-264B-8355-B8F23C8665AD}" type="slidenum">
               <a:rPr lang="en-US" smtClean="0"/>
-              <a:t>‹#›</a:t>
+              <a:t>‹Nº›</a:t>
             </a:fld>
             <a:endParaRPr lang="en-US"/>
           </a:p>
@@ -2387,7 +2389,7 @@
           <a:p>
             <a:fld id="{EB99DA09-B8CC-BA4B-8AEB-B71BB772E501}" type="datetimeFigureOut">
               <a:rPr lang="en-US" smtClean="0"/>
-              <a:t>8/31/21</a:t>
+              <a:t>9/2/2021</a:t>
             </a:fld>
             <a:endParaRPr lang="en-US"/>
           </a:p>
@@ -2441,7 +2443,7 @@
           <a:p>
             <a:fld id="{3437CE24-9A1E-264B-8355-B8F23C8665AD}" type="slidenum">
               <a:rPr lang="en-US" smtClean="0"/>
-              <a:t>‹#›</a:t>
+              <a:t>‹Nº›</a:t>
             </a:fld>
             <a:endParaRPr lang="en-US"/>
           </a:p>
@@ -2675,7 +2677,7 @@
           <a:p>
             <a:fld id="{EB99DA09-B8CC-BA4B-8AEB-B71BB772E501}" type="datetimeFigureOut">
               <a:rPr lang="en-US" smtClean="0"/>
-              <a:t>8/31/21</a:t>
+              <a:t>9/2/2021</a:t>
             </a:fld>
             <a:endParaRPr lang="en-US"/>
           </a:p>
@@ -2729,7 +2731,7 @@
           <a:p>
             <a:fld id="{3437CE24-9A1E-264B-8355-B8F23C8665AD}" type="slidenum">
               <a:rPr lang="en-US" smtClean="0"/>
-              <a:t>‹#›</a:t>
+              <a:t>‹Nº›</a:t>
             </a:fld>
             <a:endParaRPr lang="en-US"/>
           </a:p>
@@ -2916,7 +2918,7 @@
           <a:p>
             <a:fld id="{EB99DA09-B8CC-BA4B-8AEB-B71BB772E501}" type="datetimeFigureOut">
               <a:rPr lang="en-US" smtClean="0"/>
-              <a:t>8/31/21</a:t>
+              <a:t>9/2/2021</a:t>
             </a:fld>
             <a:endParaRPr lang="en-US"/>
           </a:p>
@@ -3006,7 +3008,7 @@
           <a:p>
             <a:fld id="{3437CE24-9A1E-264B-8355-B8F23C8665AD}" type="slidenum">
               <a:rPr lang="en-US" smtClean="0"/>
-              <a:t>‹#›</a:t>
+              <a:t>‹Nº›</a:t>
             </a:fld>
             <a:endParaRPr lang="en-US"/>
           </a:p>
@@ -3389,7 +3391,7 @@
           <a:lstStyle/>
           <a:p>
             <a:r>
-              <a:rPr lang="en-US" dirty="0"/>
+              <a:rPr lang="en-US" b="1" dirty="0"/>
               <a:t>The Terminators</a:t>
             </a:r>
           </a:p>
@@ -3464,7 +3466,7 @@
           <a:p>
             <a:r>
               <a:rPr lang="en-US" sz="3200" dirty="0"/>
-              <a:t>                Killing the Markets with our A.I Bot</a:t>
+              <a:t>                Killing the Markets with our A.I Algorithm</a:t>
             </a:r>
           </a:p>
           <a:p>
@@ -3482,6 +3484,210 @@
     <p:extLst>
       <p:ext uri="{BB962C8B-B14F-4D97-AF65-F5344CB8AC3E}">
         <p14:creationId xmlns:p14="http://schemas.microsoft.com/office/powerpoint/2010/main" val="1668321089"/>
+      </p:ext>
+    </p:extLst>
+  </p:cSld>
+  <p:clrMapOvr>
+    <a:masterClrMapping/>
+  </p:clrMapOvr>
+</p:sld>
+</file>
+
+<file path=ppt/slides/slide10.xml><?xml version="1.0" encoding="utf-8"?>
+<p:sld xmlns:a="http://schemas.openxmlformats.org/drawingml/2006/main" xmlns:r="http://schemas.openxmlformats.org/officeDocument/2006/relationships" xmlns:p="http://schemas.openxmlformats.org/presentationml/2006/main">
+  <p:cSld>
+    <p:spTree>
+      <p:nvGrpSpPr>
+        <p:cNvPr id="1" name=""/>
+        <p:cNvGrpSpPr/>
+        <p:nvPr/>
+      </p:nvGrpSpPr>
+      <p:grpSpPr>
+        <a:xfrm>
+          <a:off x="0" y="0"/>
+          <a:ext cx="0" cy="0"/>
+          <a:chOff x="0" y="0"/>
+          <a:chExt cx="0" cy="0"/>
+        </a:xfrm>
+      </p:grpSpPr>
+      <p:sp>
+        <p:nvSpPr>
+          <p:cNvPr id="2" name="Title 1">
+            <a:extLst>
+              <a:ext uri="{FF2B5EF4-FFF2-40B4-BE49-F238E27FC236}">
+                <a16:creationId xmlns:a16="http://schemas.microsoft.com/office/drawing/2014/main" id="{DE8E2565-6A84-1C4E-8443-D60D901F6229}"/>
+              </a:ext>
+            </a:extLst>
+          </p:cNvPr>
+          <p:cNvSpPr>
+            <a:spLocks noGrp="1"/>
+          </p:cNvSpPr>
+          <p:nvPr>
+            <p:ph type="ctrTitle"/>
+          </p:nvPr>
+        </p:nvSpPr>
+        <p:spPr>
+          <a:xfrm>
+            <a:off x="1524000" y="1122363"/>
+            <a:ext cx="9144000" cy="1181222"/>
+          </a:xfrm>
+          <a:gradFill>
+            <a:gsLst>
+              <a:gs pos="0">
+                <a:schemeClr val="accent1">
+                  <a:lumMod val="5000"/>
+                  <a:lumOff val="95000"/>
+                </a:schemeClr>
+              </a:gs>
+              <a:gs pos="0">
+                <a:schemeClr val="accent1">
+                  <a:lumMod val="45000"/>
+                  <a:lumOff val="55000"/>
+                </a:schemeClr>
+              </a:gs>
+              <a:gs pos="83000">
+                <a:schemeClr val="accent1">
+                  <a:lumMod val="45000"/>
+                  <a:lumOff val="55000"/>
+                </a:schemeClr>
+              </a:gs>
+              <a:gs pos="100000">
+                <a:schemeClr val="accent1">
+                  <a:lumMod val="30000"/>
+                  <a:lumOff val="70000"/>
+                </a:schemeClr>
+              </a:gs>
+            </a:gsLst>
+            <a:lin ang="5400000" scaled="1"/>
+          </a:gradFill>
+        </p:spPr>
+        <p:txBody>
+          <a:bodyPr/>
+          <a:lstStyle/>
+          <a:p>
+            <a:r>
+              <a:rPr lang="en-US" b="1" dirty="0"/>
+              <a:t>Next Steps/Lessons Learned</a:t>
+            </a:r>
+          </a:p>
+        </p:txBody>
+      </p:sp>
+      <p:sp>
+        <p:nvSpPr>
+          <p:cNvPr id="3" name="Subtitle 2">
+            <a:extLst>
+              <a:ext uri="{FF2B5EF4-FFF2-40B4-BE49-F238E27FC236}">
+                <a16:creationId xmlns:a16="http://schemas.microsoft.com/office/drawing/2014/main" id="{0CE19230-F42A-264C-B0AD-5042D58DC053}"/>
+              </a:ext>
+            </a:extLst>
+          </p:cNvPr>
+          <p:cNvSpPr>
+            <a:spLocks noGrp="1"/>
+          </p:cNvSpPr>
+          <p:nvPr>
+            <p:ph type="subTitle" idx="1"/>
+          </p:nvPr>
+        </p:nvSpPr>
+        <p:spPr>
+          <a:xfrm>
+            <a:off x="1524000" y="2601118"/>
+            <a:ext cx="9144000" cy="2157493"/>
+          </a:xfrm>
+          <a:gradFill>
+            <a:gsLst>
+              <a:gs pos="0">
+                <a:schemeClr val="accent1">
+                  <a:lumMod val="5000"/>
+                  <a:lumOff val="95000"/>
+                </a:schemeClr>
+              </a:gs>
+              <a:gs pos="0">
+                <a:schemeClr val="accent1">
+                  <a:lumMod val="45000"/>
+                  <a:lumOff val="55000"/>
+                </a:schemeClr>
+              </a:gs>
+              <a:gs pos="83000">
+                <a:schemeClr val="accent1">
+                  <a:lumMod val="45000"/>
+                  <a:lumOff val="55000"/>
+                </a:schemeClr>
+              </a:gs>
+              <a:gs pos="100000">
+                <a:schemeClr val="accent1">
+                  <a:lumMod val="30000"/>
+                  <a:lumOff val="70000"/>
+                </a:schemeClr>
+              </a:gs>
+            </a:gsLst>
+            <a:lin ang="5400000" scaled="1"/>
+          </a:gradFill>
+        </p:spPr>
+        <p:txBody>
+          <a:bodyPr>
+            <a:normAutofit/>
+          </a:bodyPr>
+          <a:lstStyle/>
+          <a:p>
+            <a:pPr marL="342900" indent="-342900" algn="l">
+              <a:buFont typeface="Arial" panose="020B0604020202020204" pitchFamily="34" charset="0"/>
+              <a:buChar char="•"/>
+            </a:pPr>
+            <a:r>
+              <a:rPr lang="en-US" dirty="0"/>
+              <a:t>Apply it to cryptocurrency</a:t>
+            </a:r>
+          </a:p>
+          <a:p>
+            <a:pPr marL="342900" indent="-342900" algn="l">
+              <a:buFont typeface="Arial" panose="020B0604020202020204" pitchFamily="34" charset="0"/>
+              <a:buChar char="•"/>
+            </a:pPr>
+            <a:r>
+              <a:rPr lang="en-US" dirty="0"/>
+              <a:t>Program in other buy and sell markers</a:t>
+            </a:r>
+          </a:p>
+          <a:p>
+            <a:pPr marL="342900" indent="-342900" algn="l">
+              <a:buFont typeface="Arial" panose="020B0604020202020204" pitchFamily="34" charset="0"/>
+              <a:buChar char="•"/>
+            </a:pPr>
+            <a:r>
+              <a:rPr lang="en-US" dirty="0"/>
+              <a:t>The importance of the coding</a:t>
+            </a:r>
+          </a:p>
+          <a:p>
+            <a:pPr marL="342900" indent="-342900" algn="l">
+              <a:buFont typeface="Arial" panose="020B0604020202020204" pitchFamily="34" charset="0"/>
+              <a:buChar char="•"/>
+            </a:pPr>
+            <a:r>
+              <a:rPr lang="en-US" dirty="0"/>
+              <a:t>Automatization of the algorithm</a:t>
+            </a:r>
+          </a:p>
+          <a:p>
+            <a:pPr marL="342900" indent="-342900" algn="l">
+              <a:buFont typeface="Arial" panose="020B0604020202020204" pitchFamily="34" charset="0"/>
+              <a:buChar char="•"/>
+            </a:pPr>
+            <a:endParaRPr lang="en-US" dirty="0"/>
+          </a:p>
+          <a:p>
+            <a:pPr marL="342900" indent="-342900" algn="l">
+              <a:buFont typeface="Arial" panose="020B0604020202020204" pitchFamily="34" charset="0"/>
+              <a:buChar char="•"/>
+            </a:pPr>
+            <a:endParaRPr lang="en-US" dirty="0"/>
+          </a:p>
+        </p:txBody>
+      </p:sp>
+    </p:spTree>
+    <p:extLst>
+      <p:ext uri="{BB962C8B-B14F-4D97-AF65-F5344CB8AC3E}">
+        <p14:creationId xmlns:p14="http://schemas.microsoft.com/office/powerpoint/2010/main" val="1192270340"/>
       </p:ext>
     </p:extLst>
   </p:cSld>
@@ -3561,7 +3767,7 @@
           <a:p>
             <a:pPr algn="ctr"/>
             <a:r>
-              <a:rPr lang="en-US" dirty="0"/>
+              <a:rPr lang="en-US" b="1" dirty="0"/>
               <a:t>Summary</a:t>
             </a:r>
           </a:p>
@@ -3616,7 +3822,7 @@
         </p:spPr>
         <p:txBody>
           <a:bodyPr>
-            <a:normAutofit lnSpcReduction="10000"/>
+            <a:normAutofit fontScale="92500" lnSpcReduction="10000"/>
           </a:bodyPr>
           <a:lstStyle/>
           <a:p>
@@ -3628,13 +3834,13 @@
           <a:p>
             <a:r>
               <a:rPr lang="en-US" dirty="0"/>
-              <a:t>We created a Bot using Trality cloud services.</a:t>
+              <a:t>We created a Algorithm using Trality cloud services and Python.</a:t>
             </a:r>
           </a:p>
           <a:p>
             <a:r>
               <a:rPr lang="en-US" dirty="0"/>
-              <a:t>The Bot was programmed to analyze candlesticks from historical data on the FOREX.</a:t>
+              <a:t>The algorithm was programmed to analyze candlesticks from historical data on the FOREX.</a:t>
             </a:r>
           </a:p>
           <a:p>
@@ -3652,7 +3858,7 @@
             </a:r>
             <a:r>
               <a:rPr lang="en-US" dirty="0"/>
-              <a:t> patterns were programmed into the Bot to train it to look for these patterns for our buy &amp; sell signals.</a:t>
+              <a:t> patterns were programmed into the algorithm to train it to look for these patterns for our buy &amp; sell signals.</a:t>
             </a:r>
           </a:p>
           <a:p>
@@ -3686,7 +3892,7 @@
         </p:spPr>
         <p:txBody>
           <a:bodyPr>
-            <a:normAutofit lnSpcReduction="10000"/>
+            <a:normAutofit fontScale="92500" lnSpcReduction="10000"/>
           </a:bodyPr>
           <a:lstStyle/>
           <a:p>
@@ -3738,7 +3944,7 @@
           <p:cNvPr id="2" name="Title 1">
             <a:extLst>
               <a:ext uri="{FF2B5EF4-FFF2-40B4-BE49-F238E27FC236}">
-                <a16:creationId xmlns:a16="http://schemas.microsoft.com/office/drawing/2014/main" id="{2E82F1E4-F076-E942-9422-C80650C54D57}"/>
+                <a16:creationId xmlns:a16="http://schemas.microsoft.com/office/drawing/2014/main" id="{B59E644C-3782-B04A-B2B9-6573A78FBE2E}"/>
               </a:ext>
             </a:extLst>
           </p:cNvPr>
@@ -3750,10 +3956,6 @@
           </p:nvPr>
         </p:nvSpPr>
         <p:spPr>
-          <a:xfrm>
-            <a:off x="1072662" y="580292"/>
-            <a:ext cx="3699363" cy="1163271"/>
-          </a:xfrm>
           <a:gradFill>
             <a:gsLst>
               <a:gs pos="0">
@@ -3762,7 +3964,7 @@
                   <a:lumOff val="95000"/>
                 </a:schemeClr>
               </a:gs>
-              <a:gs pos="0">
+              <a:gs pos="74000">
                 <a:schemeClr val="accent1">
                   <a:lumMod val="45000"/>
                   <a:lumOff val="55000"/>
@@ -3785,15 +3987,13 @@
           </a:gradFill>
         </p:spPr>
         <p:txBody>
-          <a:bodyPr>
-            <a:noAutofit/>
-          </a:bodyPr>
+          <a:bodyPr/>
           <a:lstStyle/>
           <a:p>
             <a:pPr algn="ctr"/>
             <a:r>
-              <a:rPr lang="en-US" sz="3600" dirty="0"/>
-              <a:t>How it Relates to Fintech</a:t>
+              <a:rPr lang="en-US" b="1" dirty="0"/>
+              <a:t>Japanese Candlestick</a:t>
             </a:r>
           </a:p>
         </p:txBody>
@@ -3803,47 +4003,15 @@
           <p:cNvPr id="3" name="Content Placeholder 2">
             <a:extLst>
               <a:ext uri="{FF2B5EF4-FFF2-40B4-BE49-F238E27FC236}">
-                <a16:creationId xmlns:a16="http://schemas.microsoft.com/office/drawing/2014/main" id="{CDFC95A7-4752-0F47-B80F-9F0C78361296}"/>
-              </a:ext>
-            </a:extLst>
-          </p:cNvPr>
-          <p:cNvSpPr>
-            <a:spLocks noGrp="1"/>
-          </p:cNvSpPr>
-          <p:nvPr>
-            <p:ph idx="1"/>
-          </p:nvPr>
-        </p:nvSpPr>
-        <p:spPr>
-          <a:blipFill>
-            <a:blip r:embed="rId2"/>
-            <a:stretch>
-              <a:fillRect/>
-            </a:stretch>
-          </a:blipFill>
-        </p:spPr>
-        <p:txBody>
-          <a:bodyPr/>
-          <a:lstStyle/>
-          <a:p>
-            <a:endParaRPr lang="en-US" dirty="0"/>
-          </a:p>
-        </p:txBody>
-      </p:sp>
-      <p:sp>
-        <p:nvSpPr>
-          <p:cNvPr id="4" name="Text Placeholder 3">
-            <a:extLst>
-              <a:ext uri="{FF2B5EF4-FFF2-40B4-BE49-F238E27FC236}">
-                <a16:creationId xmlns:a16="http://schemas.microsoft.com/office/drawing/2014/main" id="{5D80E32C-D6C0-B740-B0C5-AEACCCC076D9}"/>
-              </a:ext>
-            </a:extLst>
-          </p:cNvPr>
-          <p:cNvSpPr>
-            <a:spLocks noGrp="1"/>
-          </p:cNvSpPr>
-          <p:nvPr>
-            <p:ph type="body" sz="half" idx="2"/>
+                <a16:creationId xmlns:a16="http://schemas.microsoft.com/office/drawing/2014/main" id="{D7F05A4E-A75B-5942-81E3-3B2A16AB897D}"/>
+              </a:ext>
+            </a:extLst>
+          </p:cNvPr>
+          <p:cNvSpPr>
+            <a:spLocks noGrp="1"/>
+          </p:cNvSpPr>
+          <p:nvPr>
+            <p:ph sz="half" idx="1"/>
           </p:nvPr>
         </p:nvSpPr>
         <p:spPr>
@@ -3855,7 +4023,7 @@
                   <a:lumOff val="95000"/>
                 </a:schemeClr>
               </a:gs>
-              <a:gs pos="0">
+              <a:gs pos="74000">
                 <a:schemeClr val="accent1">
                   <a:lumMod val="45000"/>
                   <a:lumOff val="55000"/>
@@ -3879,45 +4047,97 @@
         </p:spPr>
         <p:txBody>
           <a:bodyPr>
-            <a:normAutofit lnSpcReduction="10000"/>
+            <a:normAutofit/>
           </a:bodyPr>
           <a:lstStyle/>
           <a:p>
-            <a:pPr marL="457200" indent="-457200">
-              <a:buFont typeface="Arial" panose="020B0604020202020204" pitchFamily="34" charset="0"/>
-              <a:buChar char="•"/>
-            </a:pPr>
-            <a:r>
-              <a:rPr lang="en-US" sz="3200" dirty="0"/>
-              <a:t>The efficacy of machine learning</a:t>
-            </a:r>
-          </a:p>
-          <a:p>
-            <a:pPr marL="457200" indent="-457200">
-              <a:buFont typeface="Arial" panose="020B0604020202020204" pitchFamily="34" charset="0"/>
-              <a:buChar char="•"/>
-            </a:pPr>
-            <a:r>
-              <a:rPr lang="en-US" sz="3200" dirty="0"/>
-              <a:t>Utilizes Trality cloud Services</a:t>
-            </a:r>
-          </a:p>
-          <a:p>
-            <a:pPr marL="457200" indent="-457200">
-              <a:buFont typeface="Arial" panose="020B0604020202020204" pitchFamily="34" charset="0"/>
-              <a:buChar char="•"/>
-            </a:pPr>
-            <a:r>
-              <a:rPr lang="en-US" sz="3200" dirty="0"/>
-              <a:t>Coding to find patterns in a Data Frame for predictive trades</a:t>
-            </a:r>
-          </a:p>
-        </p:txBody>
-      </p:sp>
+            <a:r>
+              <a:rPr lang="en-US" sz="2400" b="0" i="0" dirty="0">
+                <a:solidFill>
+                  <a:srgbClr val="111111"/>
+                </a:solidFill>
+                <a:effectLst/>
+                <a:latin typeface="SourceSansPro"/>
+              </a:rPr>
+              <a:t> Originated in Japan over 100 years before the West developed the bar and point-and-figure charts.</a:t>
+            </a:r>
+          </a:p>
+          <a:p>
+            <a:endParaRPr lang="en-US" sz="2400" dirty="0">
+              <a:solidFill>
+                <a:srgbClr val="111111"/>
+              </a:solidFill>
+              <a:latin typeface="SourceSansPro"/>
+            </a:endParaRPr>
+          </a:p>
+          <a:p>
+            <a:r>
+              <a:rPr lang="en-US" sz="2400" b="0" i="0" dirty="0">
+                <a:solidFill>
+                  <a:srgbClr val="111111"/>
+                </a:solidFill>
+                <a:effectLst/>
+                <a:latin typeface="SourceSansPro"/>
+              </a:rPr>
+              <a:t>Candlesticks show that emotion by visually representing the size of price moves with different colors.</a:t>
+            </a:r>
+            <a:endParaRPr lang="en-US" sz="2400" dirty="0"/>
+          </a:p>
+        </p:txBody>
+      </p:sp>
+      <p:pic>
+        <p:nvPicPr>
+          <p:cNvPr id="1028" name="Picture 4" descr="Candlestick Chart Patterns - 5 Popular Patterns You Need to Know">
+            <a:extLst>
+              <a:ext uri="{FF2B5EF4-FFF2-40B4-BE49-F238E27FC236}">
+                <a16:creationId xmlns:a16="http://schemas.microsoft.com/office/drawing/2014/main" id="{841B3DDA-D49B-43DE-B73A-2A9B44F4FCD8}"/>
+              </a:ext>
+            </a:extLst>
+          </p:cNvPr>
+          <p:cNvPicPr>
+            <a:picLocks noGrp="1" noChangeAspect="1" noChangeArrowheads="1"/>
+          </p:cNvPicPr>
+          <p:nvPr>
+            <p:ph sz="half" idx="2"/>
+          </p:nvPr>
+        </p:nvPicPr>
+        <p:blipFill>
+          <a:blip r:embed="rId2">
+            <a:extLst>
+              <a:ext uri="{28A0092B-C50C-407E-A947-70E740481C1C}">
+                <a14:useLocalDpi xmlns:a14="http://schemas.microsoft.com/office/drawing/2010/main" val="0"/>
+              </a:ext>
+            </a:extLst>
+          </a:blip>
+          <a:srcRect/>
+          <a:stretch>
+            <a:fillRect/>
+          </a:stretch>
+        </p:blipFill>
+        <p:spPr bwMode="auto">
+          <a:xfrm>
+            <a:off x="6172200" y="2471686"/>
+            <a:ext cx="5181600" cy="3059216"/>
+          </a:xfrm>
+          <a:prstGeom prst="rect">
+            <a:avLst/>
+          </a:prstGeom>
+          <a:noFill/>
+          <a:extLst>
+            <a:ext uri="{909E8E84-426E-40DD-AFC4-6F175D3DCCD1}">
+              <a14:hiddenFill xmlns:a14="http://schemas.microsoft.com/office/drawing/2010/main">
+                <a:solidFill>
+                  <a:srgbClr val="FFFFFF"/>
+                </a:solidFill>
+              </a14:hiddenFill>
+            </a:ext>
+          </a:extLst>
+        </p:spPr>
+      </p:pic>
     </p:spTree>
     <p:extLst>
       <p:ext uri="{BB962C8B-B14F-4D97-AF65-F5344CB8AC3E}">
-        <p14:creationId xmlns:p14="http://schemas.microsoft.com/office/powerpoint/2010/main" val="2070779847"/>
+        <p14:creationId xmlns:p14="http://schemas.microsoft.com/office/powerpoint/2010/main" val="3577622099"/>
       </p:ext>
     </p:extLst>
   </p:cSld>
@@ -3944,6 +4164,688 @@
           <a:chExt cx="0" cy="0"/>
         </a:xfrm>
       </p:grpSpPr>
+      <p:pic>
+        <p:nvPicPr>
+          <p:cNvPr id="2054" name="Picture 6" descr="Relative strength index - Wikipedia">
+            <a:extLst>
+              <a:ext uri="{FF2B5EF4-FFF2-40B4-BE49-F238E27FC236}">
+                <a16:creationId xmlns:a16="http://schemas.microsoft.com/office/drawing/2014/main" id="{C8C07982-204E-456F-AE71-85A807A511F0}"/>
+              </a:ext>
+            </a:extLst>
+          </p:cNvPr>
+          <p:cNvPicPr>
+            <a:picLocks noChangeAspect="1" noChangeArrowheads="1"/>
+          </p:cNvPicPr>
+          <p:nvPr/>
+        </p:nvPicPr>
+        <p:blipFill>
+          <a:blip r:embed="rId2">
+            <a:extLst>
+              <a:ext uri="{28A0092B-C50C-407E-A947-70E740481C1C}">
+                <a14:useLocalDpi xmlns:a14="http://schemas.microsoft.com/office/drawing/2010/main" val="0"/>
+              </a:ext>
+            </a:extLst>
+          </a:blip>
+          <a:srcRect/>
+          <a:stretch>
+            <a:fillRect/>
+          </a:stretch>
+        </p:blipFill>
+        <p:spPr bwMode="auto">
+          <a:xfrm>
+            <a:off x="6720724" y="1794296"/>
+            <a:ext cx="4252076" cy="2148171"/>
+          </a:xfrm>
+          <a:prstGeom prst="rect">
+            <a:avLst/>
+          </a:prstGeom>
+          <a:noFill/>
+          <a:extLst>
+            <a:ext uri="{909E8E84-426E-40DD-AFC4-6F175D3DCCD1}">
+              <a14:hiddenFill xmlns:a14="http://schemas.microsoft.com/office/drawing/2010/main">
+                <a:solidFill>
+                  <a:srgbClr val="FFFFFF"/>
+                </a:solidFill>
+              </a14:hiddenFill>
+            </a:ext>
+          </a:extLst>
+        </p:spPr>
+      </p:pic>
+      <p:sp>
+        <p:nvSpPr>
+          <p:cNvPr id="2" name="Title 1">
+            <a:extLst>
+              <a:ext uri="{FF2B5EF4-FFF2-40B4-BE49-F238E27FC236}">
+                <a16:creationId xmlns:a16="http://schemas.microsoft.com/office/drawing/2014/main" id="{B59E644C-3782-B04A-B2B9-6573A78FBE2E}"/>
+              </a:ext>
+            </a:extLst>
+          </p:cNvPr>
+          <p:cNvSpPr>
+            <a:spLocks noGrp="1"/>
+          </p:cNvSpPr>
+          <p:nvPr>
+            <p:ph type="title"/>
+          </p:nvPr>
+        </p:nvSpPr>
+        <p:spPr>
+          <a:gradFill>
+            <a:gsLst>
+              <a:gs pos="0">
+                <a:schemeClr val="accent1">
+                  <a:lumMod val="5000"/>
+                  <a:lumOff val="95000"/>
+                </a:schemeClr>
+              </a:gs>
+              <a:gs pos="74000">
+                <a:schemeClr val="accent1">
+                  <a:lumMod val="45000"/>
+                  <a:lumOff val="55000"/>
+                </a:schemeClr>
+              </a:gs>
+              <a:gs pos="83000">
+                <a:schemeClr val="accent1">
+                  <a:lumMod val="45000"/>
+                  <a:lumOff val="55000"/>
+                </a:schemeClr>
+              </a:gs>
+              <a:gs pos="100000">
+                <a:schemeClr val="accent1">
+                  <a:lumMod val="30000"/>
+                  <a:lumOff val="70000"/>
+                </a:schemeClr>
+              </a:gs>
+            </a:gsLst>
+            <a:lin ang="5400000" scaled="1"/>
+          </a:gradFill>
+        </p:spPr>
+        <p:txBody>
+          <a:bodyPr/>
+          <a:lstStyle/>
+          <a:p>
+            <a:pPr algn="ctr"/>
+            <a:r>
+              <a:rPr lang="en-US" b="1" dirty="0"/>
+              <a:t>Indicators</a:t>
+            </a:r>
+          </a:p>
+        </p:txBody>
+      </p:sp>
+      <p:sp>
+        <p:nvSpPr>
+          <p:cNvPr id="3" name="Content Placeholder 2">
+            <a:extLst>
+              <a:ext uri="{FF2B5EF4-FFF2-40B4-BE49-F238E27FC236}">
+                <a16:creationId xmlns:a16="http://schemas.microsoft.com/office/drawing/2014/main" id="{D7F05A4E-A75B-5942-81E3-3B2A16AB897D}"/>
+              </a:ext>
+            </a:extLst>
+          </p:cNvPr>
+          <p:cNvSpPr>
+            <a:spLocks noGrp="1"/>
+          </p:cNvSpPr>
+          <p:nvPr>
+            <p:ph sz="half" idx="1"/>
+          </p:nvPr>
+        </p:nvSpPr>
+        <p:spPr>
+          <a:xfrm>
+            <a:off x="958062" y="2006600"/>
+            <a:ext cx="5181600" cy="4351338"/>
+          </a:xfrm>
+          <a:gradFill>
+            <a:gsLst>
+              <a:gs pos="0">
+                <a:schemeClr val="accent1">
+                  <a:lumMod val="5000"/>
+                  <a:lumOff val="95000"/>
+                </a:schemeClr>
+              </a:gs>
+              <a:gs pos="74000">
+                <a:schemeClr val="accent1">
+                  <a:lumMod val="45000"/>
+                  <a:lumOff val="55000"/>
+                </a:schemeClr>
+              </a:gs>
+              <a:gs pos="83000">
+                <a:schemeClr val="accent1">
+                  <a:lumMod val="45000"/>
+                  <a:lumOff val="55000"/>
+                </a:schemeClr>
+              </a:gs>
+              <a:gs pos="100000">
+                <a:schemeClr val="accent1">
+                  <a:lumMod val="30000"/>
+                  <a:lumOff val="70000"/>
+                </a:schemeClr>
+              </a:gs>
+            </a:gsLst>
+            <a:lin ang="5400000" scaled="1"/>
+          </a:gradFill>
+        </p:spPr>
+        <p:txBody>
+          <a:bodyPr>
+            <a:normAutofit/>
+          </a:bodyPr>
+          <a:lstStyle/>
+          <a:p>
+            <a:r>
+              <a:rPr lang="en-US" sz="2000" b="1" dirty="0"/>
+              <a:t>Relative </a:t>
+            </a:r>
+            <a:r>
+              <a:rPr lang="en-US" sz="2000" b="1" dirty="0" err="1"/>
+              <a:t>Strengh</a:t>
+            </a:r>
+            <a:r>
+              <a:rPr lang="en-US" sz="2000" b="1" dirty="0"/>
+              <a:t> Index(RSI): </a:t>
+            </a:r>
+            <a:r>
+              <a:rPr lang="en-US" sz="2000" b="0" i="0" dirty="0">
+                <a:solidFill>
+                  <a:srgbClr val="111111"/>
+                </a:solidFill>
+                <a:effectLst/>
+                <a:latin typeface="SourceSansPro"/>
+              </a:rPr>
+              <a:t>It is a </a:t>
+            </a:r>
+            <a:r>
+              <a:rPr lang="en-US" sz="2000" b="0" i="0" dirty="0">
+                <a:effectLst/>
+                <a:latin typeface="SourceSansPro"/>
+              </a:rPr>
+              <a:t>momentum indicator </a:t>
+            </a:r>
+            <a:r>
+              <a:rPr lang="en-US" sz="2000" b="0" i="0" dirty="0">
+                <a:solidFill>
+                  <a:srgbClr val="111111"/>
+                </a:solidFill>
+                <a:effectLst/>
+                <a:latin typeface="SourceSansPro"/>
+              </a:rPr>
+              <a:t>used in technical analysis that measures the magnitude of recent price changes to evaluate overbought or oversold conditions in the price of a asset.</a:t>
+            </a:r>
+          </a:p>
+          <a:p>
+            <a:endParaRPr lang="en-US" sz="2000" dirty="0">
+              <a:solidFill>
+                <a:srgbClr val="111111"/>
+              </a:solidFill>
+              <a:latin typeface="SourceSansPro"/>
+            </a:endParaRPr>
+          </a:p>
+          <a:p>
+            <a:endParaRPr lang="en-US" sz="2000" b="0" i="0" dirty="0">
+              <a:solidFill>
+                <a:srgbClr val="111111"/>
+              </a:solidFill>
+              <a:effectLst/>
+              <a:latin typeface="SourceSansPro"/>
+            </a:endParaRPr>
+          </a:p>
+          <a:p>
+            <a:r>
+              <a:rPr lang="en-US" sz="2000" b="1" dirty="0">
+                <a:solidFill>
+                  <a:srgbClr val="111111"/>
+                </a:solidFill>
+                <a:latin typeface="SourceSansPro"/>
+              </a:rPr>
+              <a:t>Simple Moving Averages (SMA): </a:t>
+            </a:r>
+            <a:r>
+              <a:rPr lang="en-US" sz="2000" b="0" i="0" dirty="0">
+                <a:solidFill>
+                  <a:srgbClr val="111111"/>
+                </a:solidFill>
+                <a:effectLst/>
+                <a:latin typeface="SourceSansPro"/>
+              </a:rPr>
+              <a:t>moving average is a calculation used to analyze data points by creating a series of averages of different subsets of the full data set.</a:t>
+            </a:r>
+            <a:endParaRPr lang="en-US" sz="2000" i="0" dirty="0">
+              <a:solidFill>
+                <a:srgbClr val="111111"/>
+              </a:solidFill>
+              <a:effectLst/>
+              <a:latin typeface="SourceSansPro"/>
+            </a:endParaRPr>
+          </a:p>
+          <a:p>
+            <a:r>
+              <a:rPr lang="en-US" sz="2000" dirty="0">
+                <a:solidFill>
+                  <a:srgbClr val="111111"/>
+                </a:solidFill>
+                <a:latin typeface="SourceSansPro"/>
+              </a:rPr>
+              <a:t>It h</a:t>
+            </a:r>
+            <a:r>
+              <a:rPr lang="en-US" sz="2000" b="0" i="0" dirty="0">
+                <a:solidFill>
+                  <a:srgbClr val="111111"/>
+                </a:solidFill>
+                <a:effectLst/>
+                <a:latin typeface="SourceSansPro"/>
+              </a:rPr>
+              <a:t>elps to smooth out the price data by creating a constantly updated </a:t>
+            </a:r>
+            <a:r>
+              <a:rPr lang="en-US" sz="2000" b="0" i="0" dirty="0">
+                <a:effectLst/>
+                <a:latin typeface="SourceSansPro"/>
+              </a:rPr>
+              <a:t>average price.</a:t>
+            </a:r>
+            <a:endParaRPr lang="en-US" sz="2000" b="1" i="0" dirty="0">
+              <a:effectLst/>
+              <a:latin typeface="SourceSansPro"/>
+            </a:endParaRPr>
+          </a:p>
+          <a:p>
+            <a:endParaRPr lang="en-US" sz="1600" dirty="0">
+              <a:solidFill>
+                <a:srgbClr val="111111"/>
+              </a:solidFill>
+              <a:latin typeface="SourceSansPro"/>
+            </a:endParaRPr>
+          </a:p>
+          <a:p>
+            <a:endParaRPr lang="en-US" sz="2400" dirty="0">
+              <a:solidFill>
+                <a:srgbClr val="111111"/>
+              </a:solidFill>
+              <a:latin typeface="SourceSansPro"/>
+            </a:endParaRPr>
+          </a:p>
+        </p:txBody>
+      </p:sp>
+      <p:pic>
+        <p:nvPicPr>
+          <p:cNvPr id="2050" name="Picture 2" descr="rsi Equation">
+            <a:extLst>
+              <a:ext uri="{FF2B5EF4-FFF2-40B4-BE49-F238E27FC236}">
+                <a16:creationId xmlns:a16="http://schemas.microsoft.com/office/drawing/2014/main" id="{F47FCDBB-06FB-480F-89EA-9BD351C9CF52}"/>
+              </a:ext>
+            </a:extLst>
+          </p:cNvPr>
+          <p:cNvPicPr>
+            <a:picLocks noGrp="1" noChangeAspect="1" noChangeArrowheads="1"/>
+          </p:cNvPicPr>
+          <p:nvPr>
+            <p:ph sz="half" idx="2"/>
+          </p:nvPr>
+        </p:nvPicPr>
+        <p:blipFill>
+          <a:blip r:embed="rId3">
+            <a:extLst>
+              <a:ext uri="{28A0092B-C50C-407E-A947-70E740481C1C}">
+                <a14:useLocalDpi xmlns:a14="http://schemas.microsoft.com/office/drawing/2010/main" val="0"/>
+              </a:ext>
+            </a:extLst>
+          </a:blip>
+          <a:srcRect/>
+          <a:stretch>
+            <a:fillRect/>
+          </a:stretch>
+        </p:blipFill>
+        <p:spPr bwMode="auto">
+          <a:xfrm>
+            <a:off x="7372293" y="3722302"/>
+            <a:ext cx="2948937" cy="637608"/>
+          </a:xfrm>
+          <a:prstGeom prst="rect">
+            <a:avLst/>
+          </a:prstGeom>
+          <a:noFill/>
+          <a:extLst>
+            <a:ext uri="{909E8E84-426E-40DD-AFC4-6F175D3DCCD1}">
+              <a14:hiddenFill xmlns:a14="http://schemas.microsoft.com/office/drawing/2010/main">
+                <a:solidFill>
+                  <a:srgbClr val="FFFFFF"/>
+                </a:solidFill>
+              </a14:hiddenFill>
+            </a:ext>
+          </a:extLst>
+        </p:spPr>
+      </p:pic>
+      <p:pic>
+        <p:nvPicPr>
+          <p:cNvPr id="2052" name="Picture 4" descr="SMA equation">
+            <a:extLst>
+              <a:ext uri="{FF2B5EF4-FFF2-40B4-BE49-F238E27FC236}">
+                <a16:creationId xmlns:a16="http://schemas.microsoft.com/office/drawing/2014/main" id="{5BA12ECD-CC81-4F5B-B81B-D9C5209384E7}"/>
+              </a:ext>
+            </a:extLst>
+          </p:cNvPr>
+          <p:cNvPicPr>
+            <a:picLocks noChangeAspect="1" noChangeArrowheads="1"/>
+          </p:cNvPicPr>
+          <p:nvPr/>
+        </p:nvPicPr>
+        <p:blipFill>
+          <a:blip r:embed="rId4">
+            <a:extLst>
+              <a:ext uri="{28A0092B-C50C-407E-A947-70E740481C1C}">
+                <a14:useLocalDpi xmlns:a14="http://schemas.microsoft.com/office/drawing/2010/main" val="0"/>
+              </a:ext>
+            </a:extLst>
+          </a:blip>
+          <a:srcRect/>
+          <a:stretch>
+            <a:fillRect/>
+          </a:stretch>
+        </p:blipFill>
+        <p:spPr bwMode="auto">
+          <a:xfrm>
+            <a:off x="7474317" y="6128726"/>
+            <a:ext cx="2948937" cy="518794"/>
+          </a:xfrm>
+          <a:prstGeom prst="rect">
+            <a:avLst/>
+          </a:prstGeom>
+          <a:noFill/>
+          <a:extLst>
+            <a:ext uri="{909E8E84-426E-40DD-AFC4-6F175D3DCCD1}">
+              <a14:hiddenFill xmlns:a14="http://schemas.microsoft.com/office/drawing/2010/main">
+                <a:solidFill>
+                  <a:srgbClr val="FFFFFF"/>
+                </a:solidFill>
+              </a14:hiddenFill>
+            </a:ext>
+          </a:extLst>
+        </p:spPr>
+      </p:pic>
+      <p:pic>
+        <p:nvPicPr>
+          <p:cNvPr id="2056" name="Picture 8" descr="Anatomy of Popular Moving Averages in Forex - Forex Training Group">
+            <a:extLst>
+              <a:ext uri="{FF2B5EF4-FFF2-40B4-BE49-F238E27FC236}">
+                <a16:creationId xmlns:a16="http://schemas.microsoft.com/office/drawing/2014/main" id="{3FC330B4-464F-4306-89BC-A6881D312205}"/>
+              </a:ext>
+            </a:extLst>
+          </p:cNvPr>
+          <p:cNvPicPr>
+            <a:picLocks noChangeAspect="1" noChangeArrowheads="1"/>
+          </p:cNvPicPr>
+          <p:nvPr/>
+        </p:nvPicPr>
+        <p:blipFill>
+          <a:blip r:embed="rId5">
+            <a:extLst>
+              <a:ext uri="{28A0092B-C50C-407E-A947-70E740481C1C}">
+                <a14:useLocalDpi xmlns:a14="http://schemas.microsoft.com/office/drawing/2010/main" val="0"/>
+              </a:ext>
+            </a:extLst>
+          </a:blip>
+          <a:srcRect/>
+          <a:stretch>
+            <a:fillRect/>
+          </a:stretch>
+        </p:blipFill>
+        <p:spPr bwMode="auto">
+          <a:xfrm>
+            <a:off x="6969967" y="4435532"/>
+            <a:ext cx="3928188" cy="1617572"/>
+          </a:xfrm>
+          <a:prstGeom prst="rect">
+            <a:avLst/>
+          </a:prstGeom>
+          <a:noFill/>
+          <a:extLst>
+            <a:ext uri="{909E8E84-426E-40DD-AFC4-6F175D3DCCD1}">
+              <a14:hiddenFill xmlns:a14="http://schemas.microsoft.com/office/drawing/2010/main">
+                <a:solidFill>
+                  <a:srgbClr val="FFFFFF"/>
+                </a:solidFill>
+              </a14:hiddenFill>
+            </a:ext>
+          </a:extLst>
+        </p:spPr>
+      </p:pic>
+    </p:spTree>
+    <p:extLst>
+      <p:ext uri="{BB962C8B-B14F-4D97-AF65-F5344CB8AC3E}">
+        <p14:creationId xmlns:p14="http://schemas.microsoft.com/office/powerpoint/2010/main" val="2223910811"/>
+      </p:ext>
+    </p:extLst>
+  </p:cSld>
+  <p:clrMapOvr>
+    <a:masterClrMapping/>
+  </p:clrMapOvr>
+</p:sld>
+</file>
+
+<file path=ppt/slides/slide5.xml><?xml version="1.0" encoding="utf-8"?>
+<p:sld xmlns:a="http://schemas.openxmlformats.org/drawingml/2006/main" xmlns:r="http://schemas.openxmlformats.org/officeDocument/2006/relationships" xmlns:p="http://schemas.openxmlformats.org/presentationml/2006/main">
+  <p:cSld>
+    <p:spTree>
+      <p:nvGrpSpPr>
+        <p:cNvPr id="1" name=""/>
+        <p:cNvGrpSpPr/>
+        <p:nvPr/>
+      </p:nvGrpSpPr>
+      <p:grpSpPr>
+        <a:xfrm>
+          <a:off x="0" y="0"/>
+          <a:ext cx="0" cy="0"/>
+          <a:chOff x="0" y="0"/>
+          <a:chExt cx="0" cy="0"/>
+        </a:xfrm>
+      </p:grpSpPr>
+      <p:sp>
+        <p:nvSpPr>
+          <p:cNvPr id="2" name="Title 1">
+            <a:extLst>
+              <a:ext uri="{FF2B5EF4-FFF2-40B4-BE49-F238E27FC236}">
+                <a16:creationId xmlns:a16="http://schemas.microsoft.com/office/drawing/2014/main" id="{2E82F1E4-F076-E942-9422-C80650C54D57}"/>
+              </a:ext>
+            </a:extLst>
+          </p:cNvPr>
+          <p:cNvSpPr>
+            <a:spLocks noGrp="1"/>
+          </p:cNvSpPr>
+          <p:nvPr>
+            <p:ph type="title"/>
+          </p:nvPr>
+        </p:nvSpPr>
+        <p:spPr>
+          <a:xfrm>
+            <a:off x="1072662" y="580292"/>
+            <a:ext cx="3699363" cy="1163271"/>
+          </a:xfrm>
+          <a:gradFill>
+            <a:gsLst>
+              <a:gs pos="0">
+                <a:schemeClr val="accent1">
+                  <a:lumMod val="5000"/>
+                  <a:lumOff val="95000"/>
+                </a:schemeClr>
+              </a:gs>
+              <a:gs pos="0">
+                <a:schemeClr val="accent1">
+                  <a:lumMod val="45000"/>
+                  <a:lumOff val="55000"/>
+                </a:schemeClr>
+              </a:gs>
+              <a:gs pos="83000">
+                <a:schemeClr val="accent1">
+                  <a:lumMod val="45000"/>
+                  <a:lumOff val="55000"/>
+                </a:schemeClr>
+              </a:gs>
+              <a:gs pos="100000">
+                <a:schemeClr val="accent1">
+                  <a:lumMod val="30000"/>
+                  <a:lumOff val="70000"/>
+                </a:schemeClr>
+              </a:gs>
+            </a:gsLst>
+            <a:lin ang="5400000" scaled="1"/>
+          </a:gradFill>
+        </p:spPr>
+        <p:txBody>
+          <a:bodyPr>
+            <a:noAutofit/>
+          </a:bodyPr>
+          <a:lstStyle/>
+          <a:p>
+            <a:pPr algn="ctr"/>
+            <a:r>
+              <a:rPr lang="en-US" sz="3600" b="1" dirty="0"/>
+              <a:t>How it Relates to Fintech</a:t>
+            </a:r>
+          </a:p>
+        </p:txBody>
+      </p:sp>
+      <p:sp>
+        <p:nvSpPr>
+          <p:cNvPr id="3" name="Content Placeholder 2">
+            <a:extLst>
+              <a:ext uri="{FF2B5EF4-FFF2-40B4-BE49-F238E27FC236}">
+                <a16:creationId xmlns:a16="http://schemas.microsoft.com/office/drawing/2014/main" id="{CDFC95A7-4752-0F47-B80F-9F0C78361296}"/>
+              </a:ext>
+            </a:extLst>
+          </p:cNvPr>
+          <p:cNvSpPr>
+            <a:spLocks noGrp="1"/>
+          </p:cNvSpPr>
+          <p:nvPr>
+            <p:ph idx="1"/>
+          </p:nvPr>
+        </p:nvSpPr>
+        <p:spPr>
+          <a:blipFill>
+            <a:blip r:embed="rId2"/>
+            <a:stretch>
+              <a:fillRect/>
+            </a:stretch>
+          </a:blipFill>
+        </p:spPr>
+        <p:txBody>
+          <a:bodyPr/>
+          <a:lstStyle/>
+          <a:p>
+            <a:endParaRPr lang="en-US" dirty="0"/>
+          </a:p>
+        </p:txBody>
+      </p:sp>
+      <p:sp>
+        <p:nvSpPr>
+          <p:cNvPr id="4" name="Text Placeholder 3">
+            <a:extLst>
+              <a:ext uri="{FF2B5EF4-FFF2-40B4-BE49-F238E27FC236}">
+                <a16:creationId xmlns:a16="http://schemas.microsoft.com/office/drawing/2014/main" id="{5D80E32C-D6C0-B740-B0C5-AEACCCC076D9}"/>
+              </a:ext>
+            </a:extLst>
+          </p:cNvPr>
+          <p:cNvSpPr>
+            <a:spLocks noGrp="1"/>
+          </p:cNvSpPr>
+          <p:nvPr>
+            <p:ph type="body" sz="half" idx="2"/>
+          </p:nvPr>
+        </p:nvSpPr>
+        <p:spPr>
+          <a:gradFill>
+            <a:gsLst>
+              <a:gs pos="0">
+                <a:schemeClr val="accent1">
+                  <a:lumMod val="5000"/>
+                  <a:lumOff val="95000"/>
+                </a:schemeClr>
+              </a:gs>
+              <a:gs pos="0">
+                <a:schemeClr val="accent1">
+                  <a:lumMod val="45000"/>
+                  <a:lumOff val="55000"/>
+                </a:schemeClr>
+              </a:gs>
+              <a:gs pos="83000">
+                <a:schemeClr val="accent1">
+                  <a:lumMod val="45000"/>
+                  <a:lumOff val="55000"/>
+                </a:schemeClr>
+              </a:gs>
+              <a:gs pos="100000">
+                <a:schemeClr val="accent1">
+                  <a:lumMod val="30000"/>
+                  <a:lumOff val="70000"/>
+                </a:schemeClr>
+              </a:gs>
+            </a:gsLst>
+            <a:lin ang="5400000" scaled="1"/>
+          </a:gradFill>
+        </p:spPr>
+        <p:txBody>
+          <a:bodyPr>
+            <a:normAutofit lnSpcReduction="10000"/>
+          </a:bodyPr>
+          <a:lstStyle/>
+          <a:p>
+            <a:pPr marL="457200" indent="-457200">
+              <a:buFont typeface="Arial" panose="020B0604020202020204" pitchFamily="34" charset="0"/>
+              <a:buChar char="•"/>
+            </a:pPr>
+            <a:r>
+              <a:rPr lang="en-US" sz="3200" dirty="0"/>
+              <a:t>The efficacy of machine learning</a:t>
+            </a:r>
+          </a:p>
+          <a:p>
+            <a:pPr marL="457200" indent="-457200">
+              <a:buFont typeface="Arial" panose="020B0604020202020204" pitchFamily="34" charset="0"/>
+              <a:buChar char="•"/>
+            </a:pPr>
+            <a:r>
+              <a:rPr lang="en-US" sz="3200" dirty="0"/>
+              <a:t>Utilizes Trality cloud Services</a:t>
+            </a:r>
+          </a:p>
+          <a:p>
+            <a:pPr marL="457200" indent="-457200">
+              <a:buFont typeface="Arial" panose="020B0604020202020204" pitchFamily="34" charset="0"/>
+              <a:buChar char="•"/>
+            </a:pPr>
+            <a:r>
+              <a:rPr lang="en-US" sz="3200" dirty="0"/>
+              <a:t>Coding to find patterns in a Data Frame for predictive trades</a:t>
+            </a:r>
+          </a:p>
+        </p:txBody>
+      </p:sp>
+    </p:spTree>
+    <p:extLst>
+      <p:ext uri="{BB962C8B-B14F-4D97-AF65-F5344CB8AC3E}">
+        <p14:creationId xmlns:p14="http://schemas.microsoft.com/office/powerpoint/2010/main" val="2070779847"/>
+      </p:ext>
+    </p:extLst>
+  </p:cSld>
+  <p:clrMapOvr>
+    <a:masterClrMapping/>
+  </p:clrMapOvr>
+</p:sld>
+</file>
+
+<file path=ppt/slides/slide6.xml><?xml version="1.0" encoding="utf-8"?>
+<p:sld xmlns:a="http://schemas.openxmlformats.org/drawingml/2006/main" xmlns:r="http://schemas.openxmlformats.org/officeDocument/2006/relationships" xmlns:p="http://schemas.openxmlformats.org/presentationml/2006/main">
+  <p:cSld>
+    <p:spTree>
+      <p:nvGrpSpPr>
+        <p:cNvPr id="1" name=""/>
+        <p:cNvGrpSpPr/>
+        <p:nvPr/>
+      </p:nvGrpSpPr>
+      <p:grpSpPr>
+        <a:xfrm>
+          <a:off x="0" y="0"/>
+          <a:ext cx="0" cy="0"/>
+          <a:chOff x="0" y="0"/>
+          <a:chExt cx="0" cy="0"/>
+        </a:xfrm>
+      </p:grpSpPr>
       <p:sp>
         <p:nvSpPr>
           <p:cNvPr id="2" name="Title 1">
@@ -4003,7 +4905,7 @@
           <a:p>
             <a:pPr algn="ctr"/>
             <a:r>
-              <a:rPr lang="en-US" sz="3600" dirty="0"/>
+              <a:rPr lang="en-US" sz="3600" b="1" dirty="0"/>
               <a:t>Project Goals</a:t>
             </a:r>
           </a:p>
@@ -4110,7 +5012,7 @@
             </a:pPr>
             <a:r>
               <a:rPr lang="en-US" sz="2400" dirty="0"/>
-              <a:t>Specifically look at the performance of the OHLCV for the Euro, Japanese Yen, British Pound, and US Dollar</a:t>
+              <a:t>Specifically look at the performance of the OHLC for the Euro, Japanese Yen, British Pound, and US Dollar</a:t>
             </a:r>
           </a:p>
           <a:p>
@@ -4120,7 +5022,7 @@
             </a:pPr>
             <a:r>
               <a:rPr lang="en-US" sz="2400" dirty="0"/>
-              <a:t>Test our Bot on the different currency data &amp; see on which one it is most effective.</a:t>
+              <a:t>Test our algorithm on the different currency data &amp; see on which one it is most effective.</a:t>
             </a:r>
           </a:p>
           <a:p>
@@ -4148,7 +5050,7 @@
 </p:sld>
 </file>
 
-<file path=ppt/slides/slide5.xml><?xml version="1.0" encoding="utf-8"?>
+<file path=ppt/slides/slide7.xml><?xml version="1.0" encoding="utf-8"?>
 <p:sld xmlns:a="http://schemas.openxmlformats.org/drawingml/2006/main" xmlns:r="http://schemas.openxmlformats.org/officeDocument/2006/relationships" xmlns:p="http://schemas.openxmlformats.org/presentationml/2006/main">
   <p:cSld>
     <p:bg>
@@ -4229,7 +5131,7 @@
           <a:p>
             <a:pPr algn="ctr"/>
             <a:r>
-              <a:rPr lang="en-US" dirty="0"/>
+              <a:rPr lang="en-US" b="1" dirty="0"/>
               <a:t>Computer Code Demonstration</a:t>
             </a:r>
           </a:p>
@@ -4274,7 +5176,7 @@
                   <a:schemeClr val="accent2"/>
                 </a:solidFill>
               </a:rPr>
-              <a:t>Trading Bot</a:t>
+              <a:t>Trading Algorithm</a:t>
             </a:r>
             <a:endParaRPr lang="en-US" dirty="0">
               <a:solidFill>
@@ -4362,277 +5264,6 @@
     <p:extLst>
       <p:ext uri="{BB962C8B-B14F-4D97-AF65-F5344CB8AC3E}">
         <p14:creationId xmlns:p14="http://schemas.microsoft.com/office/powerpoint/2010/main" val="582841453"/>
-      </p:ext>
-    </p:extLst>
-  </p:cSld>
-  <p:clrMapOvr>
-    <a:masterClrMapping/>
-  </p:clrMapOvr>
-</p:sld>
-</file>
-
-<file path=ppt/slides/slide6.xml><?xml version="1.0" encoding="utf-8"?>
-<p:sld xmlns:a="http://schemas.openxmlformats.org/drawingml/2006/main" xmlns:r="http://schemas.openxmlformats.org/officeDocument/2006/relationships" xmlns:p="http://schemas.openxmlformats.org/presentationml/2006/main">
-  <p:cSld>
-    <p:spTree>
-      <p:nvGrpSpPr>
-        <p:cNvPr id="1" name=""/>
-        <p:cNvGrpSpPr/>
-        <p:nvPr/>
-      </p:nvGrpSpPr>
-      <p:grpSpPr>
-        <a:xfrm>
-          <a:off x="0" y="0"/>
-          <a:ext cx="0" cy="0"/>
-          <a:chOff x="0" y="0"/>
-          <a:chExt cx="0" cy="0"/>
-        </a:xfrm>
-      </p:grpSpPr>
-      <p:sp>
-        <p:nvSpPr>
-          <p:cNvPr id="2" name="Title 1">
-            <a:extLst>
-              <a:ext uri="{FF2B5EF4-FFF2-40B4-BE49-F238E27FC236}">
-                <a16:creationId xmlns:a16="http://schemas.microsoft.com/office/drawing/2014/main" id="{80EEA8DB-0BEE-E840-AB80-89275902C579}"/>
-              </a:ext>
-            </a:extLst>
-          </p:cNvPr>
-          <p:cNvSpPr>
-            <a:spLocks noGrp="1"/>
-          </p:cNvSpPr>
-          <p:nvPr>
-            <p:ph type="title"/>
-          </p:nvPr>
-        </p:nvSpPr>
-        <p:spPr/>
-        <p:txBody>
-          <a:bodyPr/>
-          <a:lstStyle/>
-          <a:p>
-            <a:pPr algn="ctr"/>
-            <a:r>
-              <a:rPr lang="en-US" dirty="0"/>
-              <a:t>Trality Trading Bot Demonstration</a:t>
-            </a:r>
-          </a:p>
-        </p:txBody>
-      </p:sp>
-      <p:sp>
-        <p:nvSpPr>
-          <p:cNvPr id="3" name="Content Placeholder 2">
-            <a:extLst>
-              <a:ext uri="{FF2B5EF4-FFF2-40B4-BE49-F238E27FC236}">
-                <a16:creationId xmlns:a16="http://schemas.microsoft.com/office/drawing/2014/main" id="{6E73957A-8810-4D47-9096-97D3488A3BB7}"/>
-              </a:ext>
-            </a:extLst>
-          </p:cNvPr>
-          <p:cNvSpPr>
-            <a:spLocks noGrp="1"/>
-          </p:cNvSpPr>
-          <p:nvPr>
-            <p:ph idx="1"/>
-          </p:nvPr>
-        </p:nvSpPr>
-        <p:spPr>
-          <a:blipFill>
-            <a:blip r:embed="rId2"/>
-            <a:stretch>
-              <a:fillRect/>
-            </a:stretch>
-          </a:blipFill>
-        </p:spPr>
-        <p:txBody>
-          <a:bodyPr/>
-          <a:lstStyle/>
-          <a:p>
-            <a:endParaRPr lang="en-US" dirty="0"/>
-          </a:p>
-        </p:txBody>
-      </p:sp>
-    </p:spTree>
-    <p:extLst>
-      <p:ext uri="{BB962C8B-B14F-4D97-AF65-F5344CB8AC3E}">
-        <p14:creationId xmlns:p14="http://schemas.microsoft.com/office/powerpoint/2010/main" val="3032074954"/>
-      </p:ext>
-    </p:extLst>
-  </p:cSld>
-  <p:clrMapOvr>
-    <a:masterClrMapping/>
-  </p:clrMapOvr>
-</p:sld>
-</file>
-
-<file path=ppt/slides/slide7.xml><?xml version="1.0" encoding="utf-8"?>
-<p:sld xmlns:a="http://schemas.openxmlformats.org/drawingml/2006/main" xmlns:r="http://schemas.openxmlformats.org/officeDocument/2006/relationships" xmlns:p="http://schemas.openxmlformats.org/presentationml/2006/main">
-  <p:cSld>
-    <p:spTree>
-      <p:nvGrpSpPr>
-        <p:cNvPr id="1" name=""/>
-        <p:cNvGrpSpPr/>
-        <p:nvPr/>
-      </p:nvGrpSpPr>
-      <p:grpSpPr>
-        <a:xfrm>
-          <a:off x="0" y="0"/>
-          <a:ext cx="0" cy="0"/>
-          <a:chOff x="0" y="0"/>
-          <a:chExt cx="0" cy="0"/>
-        </a:xfrm>
-      </p:grpSpPr>
-      <p:sp>
-        <p:nvSpPr>
-          <p:cNvPr id="2" name="Title 1">
-            <a:extLst>
-              <a:ext uri="{FF2B5EF4-FFF2-40B4-BE49-F238E27FC236}">
-                <a16:creationId xmlns:a16="http://schemas.microsoft.com/office/drawing/2014/main" id="{134BF3C6-BD78-E640-801B-A03514D2751A}"/>
-              </a:ext>
-            </a:extLst>
-          </p:cNvPr>
-          <p:cNvSpPr>
-            <a:spLocks noGrp="1"/>
-          </p:cNvSpPr>
-          <p:nvPr>
-            <p:ph type="title"/>
-          </p:nvPr>
-        </p:nvSpPr>
-        <p:spPr>
-          <a:gradFill>
-            <a:gsLst>
-              <a:gs pos="0">
-                <a:schemeClr val="accent1">
-                  <a:lumMod val="5000"/>
-                  <a:lumOff val="95000"/>
-                </a:schemeClr>
-              </a:gs>
-              <a:gs pos="0">
-                <a:schemeClr val="accent1">
-                  <a:lumMod val="45000"/>
-                  <a:lumOff val="55000"/>
-                </a:schemeClr>
-              </a:gs>
-              <a:gs pos="83000">
-                <a:schemeClr val="accent1">
-                  <a:lumMod val="45000"/>
-                  <a:lumOff val="55000"/>
-                </a:schemeClr>
-              </a:gs>
-              <a:gs pos="100000">
-                <a:schemeClr val="accent1">
-                  <a:lumMod val="30000"/>
-                  <a:lumOff val="70000"/>
-                </a:schemeClr>
-              </a:gs>
-            </a:gsLst>
-            <a:lin ang="5400000" scaled="1"/>
-          </a:gradFill>
-        </p:spPr>
-        <p:txBody>
-          <a:bodyPr/>
-          <a:lstStyle/>
-          <a:p>
-            <a:r>
-              <a:rPr lang="en-US"/>
-              <a:t>What We </a:t>
-            </a:r>
-            <a:r>
-              <a:rPr lang="en-US" dirty="0"/>
-              <a:t>Saw in the Application of the Bot</a:t>
-            </a:r>
-          </a:p>
-        </p:txBody>
-      </p:sp>
-      <p:sp>
-        <p:nvSpPr>
-          <p:cNvPr id="3" name="Content Placeholder 2">
-            <a:extLst>
-              <a:ext uri="{FF2B5EF4-FFF2-40B4-BE49-F238E27FC236}">
-                <a16:creationId xmlns:a16="http://schemas.microsoft.com/office/drawing/2014/main" id="{B1A46471-DB52-1F46-AE12-167276709A54}"/>
-              </a:ext>
-            </a:extLst>
-          </p:cNvPr>
-          <p:cNvSpPr>
-            <a:spLocks noGrp="1"/>
-          </p:cNvSpPr>
-          <p:nvPr>
-            <p:ph idx="1"/>
-          </p:nvPr>
-        </p:nvSpPr>
-        <p:spPr>
-          <a:gradFill>
-            <a:gsLst>
-              <a:gs pos="0">
-                <a:schemeClr val="accent1">
-                  <a:lumMod val="5000"/>
-                  <a:lumOff val="95000"/>
-                </a:schemeClr>
-              </a:gs>
-              <a:gs pos="0">
-                <a:schemeClr val="accent1">
-                  <a:lumMod val="45000"/>
-                  <a:lumOff val="55000"/>
-                </a:schemeClr>
-              </a:gs>
-              <a:gs pos="83000">
-                <a:schemeClr val="accent1">
-                  <a:lumMod val="45000"/>
-                  <a:lumOff val="55000"/>
-                </a:schemeClr>
-              </a:gs>
-              <a:gs pos="100000">
-                <a:schemeClr val="accent1">
-                  <a:lumMod val="30000"/>
-                  <a:lumOff val="70000"/>
-                </a:schemeClr>
-              </a:gs>
-            </a:gsLst>
-            <a:lin ang="5400000" scaled="1"/>
-          </a:gradFill>
-        </p:spPr>
-        <p:txBody>
-          <a:bodyPr/>
-          <a:lstStyle/>
-          <a:p>
-            <a:pPr marL="0" indent="0">
-              <a:buNone/>
-            </a:pPr>
-            <a:r>
-              <a:rPr lang="en-US" dirty="0"/>
-              <a:t>Results:</a:t>
-            </a:r>
-          </a:p>
-          <a:p>
-            <a:r>
-              <a:rPr lang="en-US" dirty="0"/>
-              <a:t>The EURUSD &amp; the USDJPY had the highest returns.</a:t>
-            </a:r>
-          </a:p>
-          <a:p>
-            <a:r>
-              <a:rPr lang="en-US" dirty="0"/>
-              <a:t>The GBPUSD has the lowest daily return</a:t>
-            </a:r>
-          </a:p>
-          <a:p>
-            <a:r>
-              <a:rPr lang="en-US" dirty="0"/>
-              <a:t>Standard Deviation: USDJPY has the highest volatility, while the USDCHF has the lowest.</a:t>
-            </a:r>
-          </a:p>
-          <a:p>
-            <a:pPr marL="0" indent="0">
-              <a:buNone/>
-            </a:pPr>
-            <a:endParaRPr lang="en-US" dirty="0"/>
-          </a:p>
-          <a:p>
-            <a:endParaRPr lang="en-US" dirty="0"/>
-          </a:p>
-        </p:txBody>
-      </p:sp>
-    </p:spTree>
-    <p:extLst>
-      <p:ext uri="{BB962C8B-B14F-4D97-AF65-F5344CB8AC3E}">
-        <p14:creationId xmlns:p14="http://schemas.microsoft.com/office/powerpoint/2010/main" val="2631891964"/>
       </p:ext>
     </p:extLst>
   </p:cSld>
@@ -4664,22 +5295,109 @@
           <p:cNvPr id="2" name="Title 1">
             <a:extLst>
               <a:ext uri="{FF2B5EF4-FFF2-40B4-BE49-F238E27FC236}">
-                <a16:creationId xmlns:a16="http://schemas.microsoft.com/office/drawing/2014/main" id="{DE8E2565-6A84-1C4E-8443-D60D901F6229}"/>
-              </a:ext>
-            </a:extLst>
-          </p:cNvPr>
-          <p:cNvSpPr>
-            <a:spLocks noGrp="1"/>
-          </p:cNvSpPr>
-          <p:nvPr>
-            <p:ph type="ctrTitle"/>
+                <a16:creationId xmlns:a16="http://schemas.microsoft.com/office/drawing/2014/main" id="{80EEA8DB-0BEE-E840-AB80-89275902C579}"/>
+              </a:ext>
+            </a:extLst>
+          </p:cNvPr>
+          <p:cNvSpPr>
+            <a:spLocks noGrp="1"/>
+          </p:cNvSpPr>
+          <p:nvPr>
+            <p:ph type="title"/>
+          </p:nvPr>
+        </p:nvSpPr>
+        <p:spPr/>
+        <p:txBody>
+          <a:bodyPr/>
+          <a:lstStyle/>
+          <a:p>
+            <a:pPr algn="ctr"/>
+            <a:r>
+              <a:rPr lang="en-US" b="1" dirty="0"/>
+              <a:t>Trality Trading Algorithm Demonstration</a:t>
+            </a:r>
+          </a:p>
+        </p:txBody>
+      </p:sp>
+      <p:sp>
+        <p:nvSpPr>
+          <p:cNvPr id="3" name="Content Placeholder 2">
+            <a:extLst>
+              <a:ext uri="{FF2B5EF4-FFF2-40B4-BE49-F238E27FC236}">
+                <a16:creationId xmlns:a16="http://schemas.microsoft.com/office/drawing/2014/main" id="{6E73957A-8810-4D47-9096-97D3488A3BB7}"/>
+              </a:ext>
+            </a:extLst>
+          </p:cNvPr>
+          <p:cNvSpPr>
+            <a:spLocks noGrp="1"/>
+          </p:cNvSpPr>
+          <p:nvPr>
+            <p:ph idx="1"/>
           </p:nvPr>
         </p:nvSpPr>
         <p:spPr>
-          <a:xfrm>
-            <a:off x="1524000" y="1122363"/>
-            <a:ext cx="9144000" cy="1181222"/>
-          </a:xfrm>
+          <a:blipFill>
+            <a:blip r:embed="rId2"/>
+            <a:stretch>
+              <a:fillRect/>
+            </a:stretch>
+          </a:blipFill>
+        </p:spPr>
+        <p:txBody>
+          <a:bodyPr/>
+          <a:lstStyle/>
+          <a:p>
+            <a:endParaRPr lang="en-US" dirty="0"/>
+          </a:p>
+        </p:txBody>
+      </p:sp>
+    </p:spTree>
+    <p:extLst>
+      <p:ext uri="{BB962C8B-B14F-4D97-AF65-F5344CB8AC3E}">
+        <p14:creationId xmlns:p14="http://schemas.microsoft.com/office/powerpoint/2010/main" val="3032074954"/>
+      </p:ext>
+    </p:extLst>
+  </p:cSld>
+  <p:clrMapOvr>
+    <a:masterClrMapping/>
+  </p:clrMapOvr>
+</p:sld>
+</file>
+
+<file path=ppt/slides/slide9.xml><?xml version="1.0" encoding="utf-8"?>
+<p:sld xmlns:a="http://schemas.openxmlformats.org/drawingml/2006/main" xmlns:r="http://schemas.openxmlformats.org/officeDocument/2006/relationships" xmlns:p="http://schemas.openxmlformats.org/presentationml/2006/main">
+  <p:cSld>
+    <p:spTree>
+      <p:nvGrpSpPr>
+        <p:cNvPr id="1" name=""/>
+        <p:cNvGrpSpPr/>
+        <p:nvPr/>
+      </p:nvGrpSpPr>
+      <p:grpSpPr>
+        <a:xfrm>
+          <a:off x="0" y="0"/>
+          <a:ext cx="0" cy="0"/>
+          <a:chOff x="0" y="0"/>
+          <a:chExt cx="0" cy="0"/>
+        </a:xfrm>
+      </p:grpSpPr>
+      <p:sp>
+        <p:nvSpPr>
+          <p:cNvPr id="2" name="Title 1">
+            <a:extLst>
+              <a:ext uri="{FF2B5EF4-FFF2-40B4-BE49-F238E27FC236}">
+                <a16:creationId xmlns:a16="http://schemas.microsoft.com/office/drawing/2014/main" id="{134BF3C6-BD78-E640-801B-A03514D2751A}"/>
+              </a:ext>
+            </a:extLst>
+          </p:cNvPr>
+          <p:cNvSpPr>
+            <a:spLocks noGrp="1"/>
+          </p:cNvSpPr>
+          <p:nvPr>
+            <p:ph type="title"/>
+          </p:nvPr>
+        </p:nvSpPr>
+        <p:spPr>
           <a:gradFill>
             <a:gsLst>
               <a:gs pos="0">
@@ -4711,37 +5429,35 @@
           </a:gradFill>
         </p:spPr>
         <p:txBody>
-          <a:bodyPr/>
-          <a:lstStyle/>
-          <a:p>
-            <a:r>
-              <a:rPr lang="en-US" dirty="0"/>
-              <a:t>Next Steps/Lessons Learned</a:t>
-            </a:r>
-          </a:p>
-        </p:txBody>
-      </p:sp>
-      <p:sp>
-        <p:nvSpPr>
-          <p:cNvPr id="3" name="Subtitle 2">
-            <a:extLst>
-              <a:ext uri="{FF2B5EF4-FFF2-40B4-BE49-F238E27FC236}">
-                <a16:creationId xmlns:a16="http://schemas.microsoft.com/office/drawing/2014/main" id="{0CE19230-F42A-264C-B0AD-5042D58DC053}"/>
-              </a:ext>
-            </a:extLst>
-          </p:cNvPr>
-          <p:cNvSpPr>
-            <a:spLocks noGrp="1"/>
-          </p:cNvSpPr>
-          <p:nvPr>
-            <p:ph type="subTitle" idx="1"/>
+          <a:bodyPr>
+            <a:normAutofit/>
+          </a:bodyPr>
+          <a:lstStyle/>
+          <a:p>
+            <a:r>
+              <a:rPr lang="en-US" sz="4000" b="1" dirty="0"/>
+              <a:t>What We Saw in the Application of the Algorithm</a:t>
+            </a:r>
+          </a:p>
+        </p:txBody>
+      </p:sp>
+      <p:sp>
+        <p:nvSpPr>
+          <p:cNvPr id="3" name="Content Placeholder 2">
+            <a:extLst>
+              <a:ext uri="{FF2B5EF4-FFF2-40B4-BE49-F238E27FC236}">
+                <a16:creationId xmlns:a16="http://schemas.microsoft.com/office/drawing/2014/main" id="{B1A46471-DB52-1F46-AE12-167276709A54}"/>
+              </a:ext>
+            </a:extLst>
+          </p:cNvPr>
+          <p:cNvSpPr>
+            <a:spLocks noGrp="1"/>
+          </p:cNvSpPr>
+          <p:nvPr>
+            <p:ph idx="1"/>
           </p:nvPr>
         </p:nvSpPr>
         <p:spPr>
-          <a:xfrm>
-            <a:off x="1524000" y="2601119"/>
-            <a:ext cx="9144000" cy="1655762"/>
-          </a:xfrm>
           <a:gradFill>
             <a:gsLst>
               <a:gs pos="0">
@@ -4776,41 +5492,47 @@
           <a:bodyPr/>
           <a:lstStyle/>
           <a:p>
-            <a:pPr marL="342900" indent="-342900" algn="l">
-              <a:buFont typeface="Arial" panose="020B0604020202020204" pitchFamily="34" charset="0"/>
-              <a:buChar char="•"/>
+            <a:pPr marL="0" indent="0">
+              <a:buNone/>
             </a:pPr>
             <a:r>
               <a:rPr lang="en-US" dirty="0"/>
-              <a:t>Apply it to cryptocurrency</a:t>
-            </a:r>
-          </a:p>
-          <a:p>
-            <a:pPr marL="342900" indent="-342900" algn="l">
-              <a:buFont typeface="Arial" panose="020B0604020202020204" pitchFamily="34" charset="0"/>
-              <a:buChar char="•"/>
+              <a:t>Results:</a:t>
+            </a:r>
+          </a:p>
+          <a:p>
+            <a:r>
+              <a:rPr lang="en-US" dirty="0"/>
+              <a:t>The EURUSD &amp; the USDJPY had the highest returns.</a:t>
+            </a:r>
+          </a:p>
+          <a:p>
+            <a:r>
+              <a:rPr lang="en-US" dirty="0"/>
+              <a:t>The GBPUSD has the lowest daily return</a:t>
+            </a:r>
+          </a:p>
+          <a:p>
+            <a:r>
+              <a:rPr lang="en-US" dirty="0"/>
+              <a:t>Standard Deviation: USDJPY has the highest volatility, while the USDCHF has the lowest.</a:t>
+            </a:r>
+          </a:p>
+          <a:p>
+            <a:pPr marL="0" indent="0">
+              <a:buNone/>
             </a:pPr>
-            <a:r>
-              <a:rPr lang="en-US" dirty="0"/>
-              <a:t>Program in other buy and sell markers</a:t>
-            </a:r>
-          </a:p>
-          <a:p>
-            <a:pPr marL="342900" indent="-342900" algn="l">
-              <a:buFont typeface="Arial" panose="020B0604020202020204" pitchFamily="34" charset="0"/>
-              <a:buChar char="•"/>
-            </a:pPr>
-            <a:r>
-              <a:rPr lang="en-US" dirty="0"/>
-              <a:t>The importance of the coding</a:t>
-            </a:r>
+            <a:endParaRPr lang="en-US" dirty="0"/>
+          </a:p>
+          <a:p>
+            <a:endParaRPr lang="en-US" dirty="0"/>
           </a:p>
         </p:txBody>
       </p:sp>
     </p:spTree>
     <p:extLst>
       <p:ext uri="{BB962C8B-B14F-4D97-AF65-F5344CB8AC3E}">
-        <p14:creationId xmlns:p14="http://schemas.microsoft.com/office/powerpoint/2010/main" val="1192270340"/>
+        <p14:creationId xmlns:p14="http://schemas.microsoft.com/office/powerpoint/2010/main" val="2631891964"/>
       </p:ext>
     </p:extLst>
   </p:cSld>

--- a/Project_3.pptx
+++ b/Project_3.pptx
@@ -14,7 +14,10 @@
     <p:sldId id="265" r:id="rId8"/>
     <p:sldId id="270" r:id="rId9"/>
     <p:sldId id="271" r:id="rId10"/>
-    <p:sldId id="268" r:id="rId11"/>
+    <p:sldId id="277" r:id="rId11"/>
+    <p:sldId id="275" r:id="rId12"/>
+    <p:sldId id="276" r:id="rId13"/>
+    <p:sldId id="268" r:id="rId14"/>
   </p:sldIdLst>
   <p:sldSz cx="12192000" cy="6858000"/>
   <p:notesSz cx="6858000" cy="9144000"/>
@@ -3515,6 +3518,553 @@
           <p:cNvPr id="2" name="Title 1">
             <a:extLst>
               <a:ext uri="{FF2B5EF4-FFF2-40B4-BE49-F238E27FC236}">
+                <a16:creationId xmlns:a16="http://schemas.microsoft.com/office/drawing/2014/main" id="{134BF3C6-BD78-E640-801B-A03514D2751A}"/>
+              </a:ext>
+            </a:extLst>
+          </p:cNvPr>
+          <p:cNvSpPr>
+            <a:spLocks noGrp="1"/>
+          </p:cNvSpPr>
+          <p:nvPr>
+            <p:ph type="title"/>
+          </p:nvPr>
+        </p:nvSpPr>
+        <p:spPr>
+          <a:gradFill>
+            <a:gsLst>
+              <a:gs pos="0">
+                <a:schemeClr val="accent1">
+                  <a:lumMod val="5000"/>
+                  <a:lumOff val="95000"/>
+                </a:schemeClr>
+              </a:gs>
+              <a:gs pos="0">
+                <a:schemeClr val="accent1">
+                  <a:lumMod val="45000"/>
+                  <a:lumOff val="55000"/>
+                </a:schemeClr>
+              </a:gs>
+              <a:gs pos="83000">
+                <a:schemeClr val="accent1">
+                  <a:lumMod val="45000"/>
+                  <a:lumOff val="55000"/>
+                </a:schemeClr>
+              </a:gs>
+              <a:gs pos="100000">
+                <a:schemeClr val="accent1">
+                  <a:lumMod val="30000"/>
+                  <a:lumOff val="70000"/>
+                </a:schemeClr>
+              </a:gs>
+            </a:gsLst>
+            <a:lin ang="5400000" scaled="1"/>
+          </a:gradFill>
+        </p:spPr>
+        <p:txBody>
+          <a:bodyPr>
+            <a:normAutofit/>
+          </a:bodyPr>
+          <a:lstStyle/>
+          <a:p>
+            <a:r>
+              <a:rPr lang="en-US" sz="4000" b="1" dirty="0"/>
+              <a:t>What We Saw in the Application of the Algorithm</a:t>
+            </a:r>
+          </a:p>
+        </p:txBody>
+      </p:sp>
+      <p:sp>
+        <p:nvSpPr>
+          <p:cNvPr id="3" name="Content Placeholder 2">
+            <a:extLst>
+              <a:ext uri="{FF2B5EF4-FFF2-40B4-BE49-F238E27FC236}">
+                <a16:creationId xmlns:a16="http://schemas.microsoft.com/office/drawing/2014/main" id="{B1A46471-DB52-1F46-AE12-167276709A54}"/>
+              </a:ext>
+            </a:extLst>
+          </p:cNvPr>
+          <p:cNvSpPr>
+            <a:spLocks noGrp="1"/>
+          </p:cNvSpPr>
+          <p:nvPr>
+            <p:ph idx="1"/>
+          </p:nvPr>
+        </p:nvSpPr>
+        <p:spPr>
+          <a:xfrm>
+            <a:off x="3519948" y="1870031"/>
+            <a:ext cx="5346290" cy="4351338"/>
+          </a:xfrm>
+          <a:gradFill>
+            <a:gsLst>
+              <a:gs pos="0">
+                <a:schemeClr val="accent1">
+                  <a:lumMod val="5000"/>
+                  <a:lumOff val="95000"/>
+                </a:schemeClr>
+              </a:gs>
+              <a:gs pos="0">
+                <a:schemeClr val="accent1">
+                  <a:lumMod val="45000"/>
+                  <a:lumOff val="55000"/>
+                </a:schemeClr>
+              </a:gs>
+              <a:gs pos="83000">
+                <a:schemeClr val="accent1">
+                  <a:lumMod val="45000"/>
+                  <a:lumOff val="55000"/>
+                </a:schemeClr>
+              </a:gs>
+              <a:gs pos="100000">
+                <a:schemeClr val="accent1">
+                  <a:lumMod val="30000"/>
+                  <a:lumOff val="70000"/>
+                </a:schemeClr>
+              </a:gs>
+            </a:gsLst>
+            <a:lin ang="5400000" scaled="1"/>
+          </a:gradFill>
+        </p:spPr>
+        <p:txBody>
+          <a:bodyPr/>
+          <a:lstStyle/>
+          <a:p>
+            <a:pPr marL="0" indent="0">
+              <a:buNone/>
+            </a:pPr>
+            <a:endParaRPr lang="en-US" dirty="0"/>
+          </a:p>
+          <a:p>
+            <a:endParaRPr lang="en-US" dirty="0"/>
+          </a:p>
+        </p:txBody>
+      </p:sp>
+      <p:pic>
+        <p:nvPicPr>
+          <p:cNvPr id="5" name="Imagen 4">
+            <a:extLst>
+              <a:ext uri="{FF2B5EF4-FFF2-40B4-BE49-F238E27FC236}">
+                <a16:creationId xmlns:a16="http://schemas.microsoft.com/office/drawing/2014/main" id="{1CA53CFE-2123-47B3-B68B-4D9199461677}"/>
+              </a:ext>
+            </a:extLst>
+          </p:cNvPr>
+          <p:cNvPicPr>
+            <a:picLocks noChangeAspect="1"/>
+          </p:cNvPicPr>
+          <p:nvPr/>
+        </p:nvPicPr>
+        <p:blipFill>
+          <a:blip r:embed="rId2"/>
+          <a:stretch>
+            <a:fillRect/>
+          </a:stretch>
+        </p:blipFill>
+        <p:spPr>
+          <a:xfrm>
+            <a:off x="2074606" y="1825625"/>
+            <a:ext cx="8062452" cy="4440150"/>
+          </a:xfrm>
+          <a:prstGeom prst="rect">
+            <a:avLst/>
+          </a:prstGeom>
+        </p:spPr>
+      </p:pic>
+    </p:spTree>
+    <p:extLst>
+      <p:ext uri="{BB962C8B-B14F-4D97-AF65-F5344CB8AC3E}">
+        <p14:creationId xmlns:p14="http://schemas.microsoft.com/office/powerpoint/2010/main" val="340474091"/>
+      </p:ext>
+    </p:extLst>
+  </p:cSld>
+  <p:clrMapOvr>
+    <a:masterClrMapping/>
+  </p:clrMapOvr>
+</p:sld>
+</file>
+
+<file path=ppt/slides/slide11.xml><?xml version="1.0" encoding="utf-8"?>
+<p:sld xmlns:a="http://schemas.openxmlformats.org/drawingml/2006/main" xmlns:r="http://schemas.openxmlformats.org/officeDocument/2006/relationships" xmlns:p="http://schemas.openxmlformats.org/presentationml/2006/main">
+  <p:cSld>
+    <p:spTree>
+      <p:nvGrpSpPr>
+        <p:cNvPr id="1" name=""/>
+        <p:cNvGrpSpPr/>
+        <p:nvPr/>
+      </p:nvGrpSpPr>
+      <p:grpSpPr>
+        <a:xfrm>
+          <a:off x="0" y="0"/>
+          <a:ext cx="0" cy="0"/>
+          <a:chOff x="0" y="0"/>
+          <a:chExt cx="0" cy="0"/>
+        </a:xfrm>
+      </p:grpSpPr>
+      <p:sp>
+        <p:nvSpPr>
+          <p:cNvPr id="2" name="Title 1">
+            <a:extLst>
+              <a:ext uri="{FF2B5EF4-FFF2-40B4-BE49-F238E27FC236}">
+                <a16:creationId xmlns:a16="http://schemas.microsoft.com/office/drawing/2014/main" id="{134BF3C6-BD78-E640-801B-A03514D2751A}"/>
+              </a:ext>
+            </a:extLst>
+          </p:cNvPr>
+          <p:cNvSpPr>
+            <a:spLocks noGrp="1"/>
+          </p:cNvSpPr>
+          <p:nvPr>
+            <p:ph type="title"/>
+          </p:nvPr>
+        </p:nvSpPr>
+        <p:spPr>
+          <a:gradFill>
+            <a:gsLst>
+              <a:gs pos="0">
+                <a:schemeClr val="accent1">
+                  <a:lumMod val="5000"/>
+                  <a:lumOff val="95000"/>
+                </a:schemeClr>
+              </a:gs>
+              <a:gs pos="0">
+                <a:schemeClr val="accent1">
+                  <a:lumMod val="45000"/>
+                  <a:lumOff val="55000"/>
+                </a:schemeClr>
+              </a:gs>
+              <a:gs pos="83000">
+                <a:schemeClr val="accent1">
+                  <a:lumMod val="45000"/>
+                  <a:lumOff val="55000"/>
+                </a:schemeClr>
+              </a:gs>
+              <a:gs pos="100000">
+                <a:schemeClr val="accent1">
+                  <a:lumMod val="30000"/>
+                  <a:lumOff val="70000"/>
+                </a:schemeClr>
+              </a:gs>
+            </a:gsLst>
+            <a:lin ang="5400000" scaled="1"/>
+          </a:gradFill>
+        </p:spPr>
+        <p:txBody>
+          <a:bodyPr>
+            <a:normAutofit/>
+          </a:bodyPr>
+          <a:lstStyle/>
+          <a:p>
+            <a:r>
+              <a:rPr lang="en-US" sz="4000" b="1" dirty="0"/>
+              <a:t>What We Saw in the Application of the Algorithm</a:t>
+            </a:r>
+          </a:p>
+        </p:txBody>
+      </p:sp>
+      <p:sp>
+        <p:nvSpPr>
+          <p:cNvPr id="3" name="Content Placeholder 2">
+            <a:extLst>
+              <a:ext uri="{FF2B5EF4-FFF2-40B4-BE49-F238E27FC236}">
+                <a16:creationId xmlns:a16="http://schemas.microsoft.com/office/drawing/2014/main" id="{B1A46471-DB52-1F46-AE12-167276709A54}"/>
+              </a:ext>
+            </a:extLst>
+          </p:cNvPr>
+          <p:cNvSpPr>
+            <a:spLocks noGrp="1"/>
+          </p:cNvSpPr>
+          <p:nvPr>
+            <p:ph idx="1"/>
+          </p:nvPr>
+        </p:nvSpPr>
+        <p:spPr>
+          <a:gradFill>
+            <a:gsLst>
+              <a:gs pos="0">
+                <a:schemeClr val="accent1">
+                  <a:lumMod val="5000"/>
+                  <a:lumOff val="95000"/>
+                </a:schemeClr>
+              </a:gs>
+              <a:gs pos="0">
+                <a:schemeClr val="accent1">
+                  <a:lumMod val="45000"/>
+                  <a:lumOff val="55000"/>
+                </a:schemeClr>
+              </a:gs>
+              <a:gs pos="83000">
+                <a:schemeClr val="accent1">
+                  <a:lumMod val="45000"/>
+                  <a:lumOff val="55000"/>
+                </a:schemeClr>
+              </a:gs>
+              <a:gs pos="100000">
+                <a:schemeClr val="accent1">
+                  <a:lumMod val="30000"/>
+                  <a:lumOff val="70000"/>
+                </a:schemeClr>
+              </a:gs>
+            </a:gsLst>
+            <a:lin ang="5400000" scaled="1"/>
+          </a:gradFill>
+        </p:spPr>
+        <p:txBody>
+          <a:bodyPr/>
+          <a:lstStyle/>
+          <a:p>
+            <a:pPr marL="0" indent="0">
+              <a:buNone/>
+            </a:pPr>
+            <a:endParaRPr lang="en-US" dirty="0"/>
+          </a:p>
+          <a:p>
+            <a:endParaRPr lang="en-US" dirty="0"/>
+          </a:p>
+        </p:txBody>
+      </p:sp>
+      <p:pic>
+        <p:nvPicPr>
+          <p:cNvPr id="5" name="Imagen 4">
+            <a:extLst>
+              <a:ext uri="{FF2B5EF4-FFF2-40B4-BE49-F238E27FC236}">
+                <a16:creationId xmlns:a16="http://schemas.microsoft.com/office/drawing/2014/main" id="{FFE81133-2E6F-48DF-9980-C026935FAD45}"/>
+              </a:ext>
+            </a:extLst>
+          </p:cNvPr>
+          <p:cNvPicPr>
+            <a:picLocks noChangeAspect="1"/>
+          </p:cNvPicPr>
+          <p:nvPr/>
+        </p:nvPicPr>
+        <p:blipFill>
+          <a:blip r:embed="rId2"/>
+          <a:stretch>
+            <a:fillRect/>
+          </a:stretch>
+        </p:blipFill>
+        <p:spPr>
+          <a:xfrm>
+            <a:off x="838200" y="1825625"/>
+            <a:ext cx="10515600" cy="4538600"/>
+          </a:xfrm>
+          <a:prstGeom prst="rect">
+            <a:avLst/>
+          </a:prstGeom>
+        </p:spPr>
+      </p:pic>
+    </p:spTree>
+    <p:extLst>
+      <p:ext uri="{BB962C8B-B14F-4D97-AF65-F5344CB8AC3E}">
+        <p14:creationId xmlns:p14="http://schemas.microsoft.com/office/powerpoint/2010/main" val="1993026164"/>
+      </p:ext>
+    </p:extLst>
+  </p:cSld>
+  <p:clrMapOvr>
+    <a:masterClrMapping/>
+  </p:clrMapOvr>
+</p:sld>
+</file>
+
+<file path=ppt/slides/slide12.xml><?xml version="1.0" encoding="utf-8"?>
+<p:sld xmlns:a="http://schemas.openxmlformats.org/drawingml/2006/main" xmlns:r="http://schemas.openxmlformats.org/officeDocument/2006/relationships" xmlns:p="http://schemas.openxmlformats.org/presentationml/2006/main">
+  <p:cSld>
+    <p:spTree>
+      <p:nvGrpSpPr>
+        <p:cNvPr id="1" name=""/>
+        <p:cNvGrpSpPr/>
+        <p:nvPr/>
+      </p:nvGrpSpPr>
+      <p:grpSpPr>
+        <a:xfrm>
+          <a:off x="0" y="0"/>
+          <a:ext cx="0" cy="0"/>
+          <a:chOff x="0" y="0"/>
+          <a:chExt cx="0" cy="0"/>
+        </a:xfrm>
+      </p:grpSpPr>
+      <p:sp>
+        <p:nvSpPr>
+          <p:cNvPr id="2" name="Title 1">
+            <a:extLst>
+              <a:ext uri="{FF2B5EF4-FFF2-40B4-BE49-F238E27FC236}">
+                <a16:creationId xmlns:a16="http://schemas.microsoft.com/office/drawing/2014/main" id="{134BF3C6-BD78-E640-801B-A03514D2751A}"/>
+              </a:ext>
+            </a:extLst>
+          </p:cNvPr>
+          <p:cNvSpPr>
+            <a:spLocks noGrp="1"/>
+          </p:cNvSpPr>
+          <p:nvPr>
+            <p:ph type="title"/>
+          </p:nvPr>
+        </p:nvSpPr>
+        <p:spPr>
+          <a:gradFill>
+            <a:gsLst>
+              <a:gs pos="0">
+                <a:schemeClr val="accent1">
+                  <a:lumMod val="5000"/>
+                  <a:lumOff val="95000"/>
+                </a:schemeClr>
+              </a:gs>
+              <a:gs pos="0">
+                <a:schemeClr val="accent1">
+                  <a:lumMod val="45000"/>
+                  <a:lumOff val="55000"/>
+                </a:schemeClr>
+              </a:gs>
+              <a:gs pos="83000">
+                <a:schemeClr val="accent1">
+                  <a:lumMod val="45000"/>
+                  <a:lumOff val="55000"/>
+                </a:schemeClr>
+              </a:gs>
+              <a:gs pos="100000">
+                <a:schemeClr val="accent1">
+                  <a:lumMod val="30000"/>
+                  <a:lumOff val="70000"/>
+                </a:schemeClr>
+              </a:gs>
+            </a:gsLst>
+            <a:lin ang="5400000" scaled="1"/>
+          </a:gradFill>
+        </p:spPr>
+        <p:txBody>
+          <a:bodyPr>
+            <a:normAutofit/>
+          </a:bodyPr>
+          <a:lstStyle/>
+          <a:p>
+            <a:r>
+              <a:rPr lang="en-US" sz="4000" b="1" dirty="0"/>
+              <a:t>What We Saw in the Application of the Algorithm</a:t>
+            </a:r>
+          </a:p>
+        </p:txBody>
+      </p:sp>
+      <p:sp>
+        <p:nvSpPr>
+          <p:cNvPr id="3" name="Content Placeholder 2">
+            <a:extLst>
+              <a:ext uri="{FF2B5EF4-FFF2-40B4-BE49-F238E27FC236}">
+                <a16:creationId xmlns:a16="http://schemas.microsoft.com/office/drawing/2014/main" id="{B1A46471-DB52-1F46-AE12-167276709A54}"/>
+              </a:ext>
+            </a:extLst>
+          </p:cNvPr>
+          <p:cNvSpPr>
+            <a:spLocks noGrp="1"/>
+          </p:cNvSpPr>
+          <p:nvPr>
+            <p:ph idx="1"/>
+          </p:nvPr>
+        </p:nvSpPr>
+        <p:spPr>
+          <a:gradFill>
+            <a:gsLst>
+              <a:gs pos="0">
+                <a:schemeClr val="accent1">
+                  <a:lumMod val="5000"/>
+                  <a:lumOff val="95000"/>
+                </a:schemeClr>
+              </a:gs>
+              <a:gs pos="0">
+                <a:schemeClr val="accent1">
+                  <a:lumMod val="45000"/>
+                  <a:lumOff val="55000"/>
+                </a:schemeClr>
+              </a:gs>
+              <a:gs pos="83000">
+                <a:schemeClr val="accent1">
+                  <a:lumMod val="45000"/>
+                  <a:lumOff val="55000"/>
+                </a:schemeClr>
+              </a:gs>
+              <a:gs pos="100000">
+                <a:schemeClr val="accent1">
+                  <a:lumMod val="30000"/>
+                  <a:lumOff val="70000"/>
+                </a:schemeClr>
+              </a:gs>
+            </a:gsLst>
+            <a:lin ang="5400000" scaled="1"/>
+          </a:gradFill>
+        </p:spPr>
+        <p:txBody>
+          <a:bodyPr/>
+          <a:lstStyle/>
+          <a:p>
+            <a:pPr marL="0" indent="0">
+              <a:buNone/>
+            </a:pPr>
+            <a:endParaRPr lang="en-US" dirty="0"/>
+          </a:p>
+          <a:p>
+            <a:endParaRPr lang="en-US" dirty="0"/>
+          </a:p>
+        </p:txBody>
+      </p:sp>
+      <p:pic>
+        <p:nvPicPr>
+          <p:cNvPr id="7" name="Imagen 6">
+            <a:extLst>
+              <a:ext uri="{FF2B5EF4-FFF2-40B4-BE49-F238E27FC236}">
+                <a16:creationId xmlns:a16="http://schemas.microsoft.com/office/drawing/2014/main" id="{C44E35B7-ACEC-4A35-9F87-DE30805AA56B}"/>
+              </a:ext>
+            </a:extLst>
+          </p:cNvPr>
+          <p:cNvPicPr>
+            <a:picLocks noChangeAspect="1"/>
+          </p:cNvPicPr>
+          <p:nvPr/>
+        </p:nvPicPr>
+        <p:blipFill>
+          <a:blip r:embed="rId2"/>
+          <a:stretch>
+            <a:fillRect/>
+          </a:stretch>
+        </p:blipFill>
+        <p:spPr>
+          <a:xfrm>
+            <a:off x="838200" y="1825625"/>
+            <a:ext cx="10515600" cy="4538600"/>
+          </a:xfrm>
+          <a:prstGeom prst="rect">
+            <a:avLst/>
+          </a:prstGeom>
+        </p:spPr>
+      </p:pic>
+    </p:spTree>
+    <p:extLst>
+      <p:ext uri="{BB962C8B-B14F-4D97-AF65-F5344CB8AC3E}">
+        <p14:creationId xmlns:p14="http://schemas.microsoft.com/office/powerpoint/2010/main" val="926708340"/>
+      </p:ext>
+    </p:extLst>
+  </p:cSld>
+  <p:clrMapOvr>
+    <a:masterClrMapping/>
+  </p:clrMapOvr>
+</p:sld>
+</file>
+
+<file path=ppt/slides/slide13.xml><?xml version="1.0" encoding="utf-8"?>
+<p:sld xmlns:a="http://schemas.openxmlformats.org/drawingml/2006/main" xmlns:r="http://schemas.openxmlformats.org/officeDocument/2006/relationships" xmlns:p="http://schemas.openxmlformats.org/presentationml/2006/main">
+  <p:cSld>
+    <p:spTree>
+      <p:nvGrpSpPr>
+        <p:cNvPr id="1" name=""/>
+        <p:cNvGrpSpPr/>
+        <p:nvPr/>
+      </p:nvGrpSpPr>
+      <p:grpSpPr>
+        <a:xfrm>
+          <a:off x="0" y="0"/>
+          <a:ext cx="0" cy="0"/>
+          <a:chOff x="0" y="0"/>
+          <a:chExt cx="0" cy="0"/>
+        </a:xfrm>
+      </p:grpSpPr>
+      <p:sp>
+        <p:nvSpPr>
+          <p:cNvPr id="2" name="Title 1">
+            <a:extLst>
+              <a:ext uri="{FF2B5EF4-FFF2-40B4-BE49-F238E27FC236}">
                 <a16:creationId xmlns:a16="http://schemas.microsoft.com/office/drawing/2014/main" id="{DE8E2565-6A84-1C4E-8443-D60D901F6229}"/>
               </a:ext>
             </a:extLst>

--- a/Project_3.pptx
+++ b/Project_3.pptx
@@ -7,17 +7,18 @@
   <p:sldIdLst>
     <p:sldId id="256" r:id="rId2"/>
     <p:sldId id="259" r:id="rId3"/>
-    <p:sldId id="272" r:id="rId4"/>
-    <p:sldId id="274" r:id="rId5"/>
-    <p:sldId id="261" r:id="rId6"/>
+    <p:sldId id="261" r:id="rId4"/>
+    <p:sldId id="272" r:id="rId5"/>
+    <p:sldId id="274" r:id="rId6"/>
     <p:sldId id="262" r:id="rId7"/>
     <p:sldId id="265" r:id="rId8"/>
-    <p:sldId id="270" r:id="rId9"/>
-    <p:sldId id="271" r:id="rId10"/>
-    <p:sldId id="277" r:id="rId11"/>
+    <p:sldId id="271" r:id="rId9"/>
+    <p:sldId id="277" r:id="rId10"/>
+    <p:sldId id="270" r:id="rId11"/>
     <p:sldId id="275" r:id="rId12"/>
     <p:sldId id="276" r:id="rId13"/>
-    <p:sldId id="268" r:id="rId14"/>
+    <p:sldId id="278" r:id="rId14"/>
+    <p:sldId id="268" r:id="rId15"/>
   </p:sldIdLst>
   <p:sldSz cx="12192000" cy="6858000"/>
   <p:notesSz cx="6858000" cy="9144000"/>
@@ -3518,7 +3519,7 @@
           <p:cNvPr id="2" name="Title 1">
             <a:extLst>
               <a:ext uri="{FF2B5EF4-FFF2-40B4-BE49-F238E27FC236}">
-                <a16:creationId xmlns:a16="http://schemas.microsoft.com/office/drawing/2014/main" id="{134BF3C6-BD78-E640-801B-A03514D2751A}"/>
+                <a16:creationId xmlns:a16="http://schemas.microsoft.com/office/drawing/2014/main" id="{80EEA8DB-0BEE-E840-AB80-89275902C579}"/>
               </a:ext>
             </a:extLst>
           </p:cNvPr>
@@ -3529,149 +3530,55 @@
             <p:ph type="title"/>
           </p:nvPr>
         </p:nvSpPr>
+        <p:spPr/>
+        <p:txBody>
+          <a:bodyPr/>
+          <a:lstStyle/>
+          <a:p>
+            <a:pPr algn="ctr"/>
+            <a:r>
+              <a:rPr lang="en-US" b="1" dirty="0"/>
+              <a:t>Trality Trading Algorithm Demonstration</a:t>
+            </a:r>
+          </a:p>
+        </p:txBody>
+      </p:sp>
+      <p:sp>
+        <p:nvSpPr>
+          <p:cNvPr id="3" name="Content Placeholder 2">
+            <a:extLst>
+              <a:ext uri="{FF2B5EF4-FFF2-40B4-BE49-F238E27FC236}">
+                <a16:creationId xmlns:a16="http://schemas.microsoft.com/office/drawing/2014/main" id="{6E73957A-8810-4D47-9096-97D3488A3BB7}"/>
+              </a:ext>
+            </a:extLst>
+          </p:cNvPr>
+          <p:cNvSpPr>
+            <a:spLocks noGrp="1"/>
+          </p:cNvSpPr>
+          <p:nvPr>
+            <p:ph idx="1"/>
+          </p:nvPr>
+        </p:nvSpPr>
         <p:spPr>
-          <a:gradFill>
-            <a:gsLst>
-              <a:gs pos="0">
-                <a:schemeClr val="accent1">
-                  <a:lumMod val="5000"/>
-                  <a:lumOff val="95000"/>
-                </a:schemeClr>
-              </a:gs>
-              <a:gs pos="0">
-                <a:schemeClr val="accent1">
-                  <a:lumMod val="45000"/>
-                  <a:lumOff val="55000"/>
-                </a:schemeClr>
-              </a:gs>
-              <a:gs pos="83000">
-                <a:schemeClr val="accent1">
-                  <a:lumMod val="45000"/>
-                  <a:lumOff val="55000"/>
-                </a:schemeClr>
-              </a:gs>
-              <a:gs pos="100000">
-                <a:schemeClr val="accent1">
-                  <a:lumMod val="30000"/>
-                  <a:lumOff val="70000"/>
-                </a:schemeClr>
-              </a:gs>
-            </a:gsLst>
-            <a:lin ang="5400000" scaled="1"/>
-          </a:gradFill>
+          <a:blipFill>
+            <a:blip r:embed="rId2"/>
+            <a:stretch>
+              <a:fillRect/>
+            </a:stretch>
+          </a:blipFill>
         </p:spPr>
         <p:txBody>
-          <a:bodyPr>
-            <a:normAutofit/>
-          </a:bodyPr>
-          <a:lstStyle/>
-          <a:p>
-            <a:r>
-              <a:rPr lang="en-US" sz="4000" b="1" dirty="0"/>
-              <a:t>What We Saw in the Application of the Algorithm</a:t>
-            </a:r>
-          </a:p>
-        </p:txBody>
-      </p:sp>
-      <p:sp>
-        <p:nvSpPr>
-          <p:cNvPr id="3" name="Content Placeholder 2">
-            <a:extLst>
-              <a:ext uri="{FF2B5EF4-FFF2-40B4-BE49-F238E27FC236}">
-                <a16:creationId xmlns:a16="http://schemas.microsoft.com/office/drawing/2014/main" id="{B1A46471-DB52-1F46-AE12-167276709A54}"/>
-              </a:ext>
-            </a:extLst>
-          </p:cNvPr>
-          <p:cNvSpPr>
-            <a:spLocks noGrp="1"/>
-          </p:cNvSpPr>
-          <p:nvPr>
-            <p:ph idx="1"/>
-          </p:nvPr>
-        </p:nvSpPr>
-        <p:spPr>
-          <a:xfrm>
-            <a:off x="3519948" y="1870031"/>
-            <a:ext cx="5346290" cy="4351338"/>
-          </a:xfrm>
-          <a:gradFill>
-            <a:gsLst>
-              <a:gs pos="0">
-                <a:schemeClr val="accent1">
-                  <a:lumMod val="5000"/>
-                  <a:lumOff val="95000"/>
-                </a:schemeClr>
-              </a:gs>
-              <a:gs pos="0">
-                <a:schemeClr val="accent1">
-                  <a:lumMod val="45000"/>
-                  <a:lumOff val="55000"/>
-                </a:schemeClr>
-              </a:gs>
-              <a:gs pos="83000">
-                <a:schemeClr val="accent1">
-                  <a:lumMod val="45000"/>
-                  <a:lumOff val="55000"/>
-                </a:schemeClr>
-              </a:gs>
-              <a:gs pos="100000">
-                <a:schemeClr val="accent1">
-                  <a:lumMod val="30000"/>
-                  <a:lumOff val="70000"/>
-                </a:schemeClr>
-              </a:gs>
-            </a:gsLst>
-            <a:lin ang="5400000" scaled="1"/>
-          </a:gradFill>
-        </p:spPr>
-        <p:txBody>
           <a:bodyPr/>
           <a:lstStyle/>
           <a:p>
-            <a:pPr marL="0" indent="0">
-              <a:buNone/>
-            </a:pPr>
             <a:endParaRPr lang="en-US" dirty="0"/>
           </a:p>
-          <a:p>
-            <a:endParaRPr lang="en-US" dirty="0"/>
-          </a:p>
-        </p:txBody>
-      </p:sp>
-      <p:pic>
-        <p:nvPicPr>
-          <p:cNvPr id="5" name="Imagen 4">
-            <a:extLst>
-              <a:ext uri="{FF2B5EF4-FFF2-40B4-BE49-F238E27FC236}">
-                <a16:creationId xmlns:a16="http://schemas.microsoft.com/office/drawing/2014/main" id="{1CA53CFE-2123-47B3-B68B-4D9199461677}"/>
-              </a:ext>
-            </a:extLst>
-          </p:cNvPr>
-          <p:cNvPicPr>
-            <a:picLocks noChangeAspect="1"/>
-          </p:cNvPicPr>
-          <p:nvPr/>
-        </p:nvPicPr>
-        <p:blipFill>
-          <a:blip r:embed="rId2"/>
-          <a:stretch>
-            <a:fillRect/>
-          </a:stretch>
-        </p:blipFill>
-        <p:spPr>
-          <a:xfrm>
-            <a:off x="2074606" y="1825625"/>
-            <a:ext cx="8062452" cy="4440150"/>
-          </a:xfrm>
-          <a:prstGeom prst="rect">
-            <a:avLst/>
-          </a:prstGeom>
-        </p:spPr>
-      </p:pic>
+        </p:txBody>
+      </p:sp>
     </p:spTree>
     <p:extLst>
       <p:ext uri="{BB962C8B-B14F-4D97-AF65-F5344CB8AC3E}">
-        <p14:creationId xmlns:p14="http://schemas.microsoft.com/office/powerpoint/2010/main" val="340474091"/>
+        <p14:creationId xmlns:p14="http://schemas.microsoft.com/office/powerpoint/2010/main" val="3032074954"/>
       </p:ext>
     </p:extLst>
   </p:cSld>
@@ -4065,6 +3972,187 @@
           <p:cNvPr id="2" name="Title 1">
             <a:extLst>
               <a:ext uri="{FF2B5EF4-FFF2-40B4-BE49-F238E27FC236}">
+                <a16:creationId xmlns:a16="http://schemas.microsoft.com/office/drawing/2014/main" id="{134BF3C6-BD78-E640-801B-A03514D2751A}"/>
+              </a:ext>
+            </a:extLst>
+          </p:cNvPr>
+          <p:cNvSpPr>
+            <a:spLocks noGrp="1"/>
+          </p:cNvSpPr>
+          <p:nvPr>
+            <p:ph type="title"/>
+          </p:nvPr>
+        </p:nvSpPr>
+        <p:spPr>
+          <a:gradFill>
+            <a:gsLst>
+              <a:gs pos="0">
+                <a:schemeClr val="accent1">
+                  <a:lumMod val="5000"/>
+                  <a:lumOff val="95000"/>
+                </a:schemeClr>
+              </a:gs>
+              <a:gs pos="0">
+                <a:schemeClr val="accent1">
+                  <a:lumMod val="45000"/>
+                  <a:lumOff val="55000"/>
+                </a:schemeClr>
+              </a:gs>
+              <a:gs pos="83000">
+                <a:schemeClr val="accent1">
+                  <a:lumMod val="45000"/>
+                  <a:lumOff val="55000"/>
+                </a:schemeClr>
+              </a:gs>
+              <a:gs pos="100000">
+                <a:schemeClr val="accent1">
+                  <a:lumMod val="30000"/>
+                  <a:lumOff val="70000"/>
+                </a:schemeClr>
+              </a:gs>
+            </a:gsLst>
+            <a:lin ang="5400000" scaled="1"/>
+          </a:gradFill>
+        </p:spPr>
+        <p:txBody>
+          <a:bodyPr>
+            <a:normAutofit/>
+          </a:bodyPr>
+          <a:lstStyle/>
+          <a:p>
+            <a:r>
+              <a:rPr lang="en-US" sz="4000" b="1" dirty="0"/>
+              <a:t>What We Saw in the Application of the Algorithm</a:t>
+            </a:r>
+          </a:p>
+        </p:txBody>
+      </p:sp>
+      <p:sp>
+        <p:nvSpPr>
+          <p:cNvPr id="3" name="Content Placeholder 2">
+            <a:extLst>
+              <a:ext uri="{FF2B5EF4-FFF2-40B4-BE49-F238E27FC236}">
+                <a16:creationId xmlns:a16="http://schemas.microsoft.com/office/drawing/2014/main" id="{B1A46471-DB52-1F46-AE12-167276709A54}"/>
+              </a:ext>
+            </a:extLst>
+          </p:cNvPr>
+          <p:cNvSpPr>
+            <a:spLocks noGrp="1"/>
+          </p:cNvSpPr>
+          <p:nvPr>
+            <p:ph idx="1"/>
+          </p:nvPr>
+        </p:nvSpPr>
+        <p:spPr>
+          <a:gradFill>
+            <a:gsLst>
+              <a:gs pos="0">
+                <a:schemeClr val="accent1">
+                  <a:lumMod val="5000"/>
+                  <a:lumOff val="95000"/>
+                </a:schemeClr>
+              </a:gs>
+              <a:gs pos="0">
+                <a:schemeClr val="accent1">
+                  <a:lumMod val="45000"/>
+                  <a:lumOff val="55000"/>
+                </a:schemeClr>
+              </a:gs>
+              <a:gs pos="83000">
+                <a:schemeClr val="accent1">
+                  <a:lumMod val="45000"/>
+                  <a:lumOff val="55000"/>
+                </a:schemeClr>
+              </a:gs>
+              <a:gs pos="100000">
+                <a:schemeClr val="accent1">
+                  <a:lumMod val="30000"/>
+                  <a:lumOff val="70000"/>
+                </a:schemeClr>
+              </a:gs>
+            </a:gsLst>
+            <a:lin ang="5400000" scaled="1"/>
+          </a:gradFill>
+        </p:spPr>
+        <p:txBody>
+          <a:bodyPr/>
+          <a:lstStyle/>
+          <a:p>
+            <a:pPr marL="0" indent="0">
+              <a:buNone/>
+            </a:pPr>
+            <a:endParaRPr lang="en-US" dirty="0"/>
+          </a:p>
+          <a:p>
+            <a:endParaRPr lang="en-US" dirty="0"/>
+          </a:p>
+        </p:txBody>
+      </p:sp>
+      <p:pic>
+        <p:nvPicPr>
+          <p:cNvPr id="8" name="Imagen 7">
+            <a:extLst>
+              <a:ext uri="{FF2B5EF4-FFF2-40B4-BE49-F238E27FC236}">
+                <a16:creationId xmlns:a16="http://schemas.microsoft.com/office/drawing/2014/main" id="{F4D95AAF-6C5D-45CF-A876-F3F55FDBF6B1}"/>
+              </a:ext>
+            </a:extLst>
+          </p:cNvPr>
+          <p:cNvPicPr>
+            <a:picLocks noChangeAspect="1"/>
+          </p:cNvPicPr>
+          <p:nvPr/>
+        </p:nvPicPr>
+        <p:blipFill>
+          <a:blip r:embed="rId2"/>
+          <a:stretch>
+            <a:fillRect/>
+          </a:stretch>
+        </p:blipFill>
+        <p:spPr>
+          <a:xfrm>
+            <a:off x="838200" y="1825625"/>
+            <a:ext cx="10515600" cy="4351338"/>
+          </a:xfrm>
+          <a:prstGeom prst="rect">
+            <a:avLst/>
+          </a:prstGeom>
+        </p:spPr>
+      </p:pic>
+    </p:spTree>
+    <p:extLst>
+      <p:ext uri="{BB962C8B-B14F-4D97-AF65-F5344CB8AC3E}">
+        <p14:creationId xmlns:p14="http://schemas.microsoft.com/office/powerpoint/2010/main" val="3658471791"/>
+      </p:ext>
+    </p:extLst>
+  </p:cSld>
+  <p:clrMapOvr>
+    <a:masterClrMapping/>
+  </p:clrMapOvr>
+</p:sld>
+</file>
+
+<file path=ppt/slides/slide14.xml><?xml version="1.0" encoding="utf-8"?>
+<p:sld xmlns:a="http://schemas.openxmlformats.org/drawingml/2006/main" xmlns:r="http://schemas.openxmlformats.org/officeDocument/2006/relationships" xmlns:p="http://schemas.openxmlformats.org/presentationml/2006/main">
+  <p:cSld>
+    <p:spTree>
+      <p:nvGrpSpPr>
+        <p:cNvPr id="1" name=""/>
+        <p:cNvGrpSpPr/>
+        <p:nvPr/>
+      </p:nvGrpSpPr>
+      <p:grpSpPr>
+        <a:xfrm>
+          <a:off x="0" y="0"/>
+          <a:ext cx="0" cy="0"/>
+          <a:chOff x="0" y="0"/>
+          <a:chExt cx="0" cy="0"/>
+        </a:xfrm>
+      </p:grpSpPr>
+      <p:sp>
+        <p:nvSpPr>
+          <p:cNvPr id="2" name="Title 1">
+            <a:extLst>
+              <a:ext uri="{FF2B5EF4-FFF2-40B4-BE49-F238E27FC236}">
                 <a16:creationId xmlns:a16="http://schemas.microsoft.com/office/drawing/2014/main" id="{DE8E2565-6A84-1C4E-8443-D60D901F6229}"/>
               </a:ext>
             </a:extLst>
@@ -4183,10 +4271,7 @@
               <a:buFont typeface="Arial" panose="020B0604020202020204" pitchFamily="34" charset="0"/>
               <a:buChar char="•"/>
             </a:pPr>
-            <a:r>
-              <a:rPr lang="en-US" dirty="0"/>
-              <a:t>Apply it to cryptocurrency</a:t>
-            </a:r>
+            <a:endParaRPr lang="en-US"/>
           </a:p>
           <a:p>
             <a:pPr marL="342900" indent="-342900" algn="l">
@@ -4194,8 +4279,12 @@
               <a:buChar char="•"/>
             </a:pPr>
             <a:r>
+              <a:rPr lang="en-US"/>
+              <a:t>Program </a:t>
+            </a:r>
+            <a:r>
               <a:rPr lang="en-US" dirty="0"/>
-              <a:t>Program in other buy and sell markers</a:t>
+              <a:t>in other buy and sell markers</a:t>
             </a:r>
           </a:p>
           <a:p>
@@ -4215,7 +4304,15 @@
             </a:pPr>
             <a:r>
               <a:rPr lang="en-US" dirty="0"/>
-              <a:t>Automatization of the algorithm</a:t>
+              <a:t>Automatization of the </a:t>
+            </a:r>
+            <a:r>
+              <a:rPr lang="en-US" dirty="0" err="1"/>
+              <a:t>ForEx</a:t>
+            </a:r>
+            <a:r>
+              <a:rPr lang="en-US" dirty="0"/>
+              <a:t> algorithm</a:t>
             </a:r>
           </a:p>
           <a:p>
@@ -4473,6 +4570,217 @@
 </file>
 
 <file path=ppt/slides/slide3.xml><?xml version="1.0" encoding="utf-8"?>
+<p:sld xmlns:a="http://schemas.openxmlformats.org/drawingml/2006/main" xmlns:r="http://schemas.openxmlformats.org/officeDocument/2006/relationships" xmlns:p="http://schemas.openxmlformats.org/presentationml/2006/main">
+  <p:cSld>
+    <p:spTree>
+      <p:nvGrpSpPr>
+        <p:cNvPr id="1" name=""/>
+        <p:cNvGrpSpPr/>
+        <p:nvPr/>
+      </p:nvGrpSpPr>
+      <p:grpSpPr>
+        <a:xfrm>
+          <a:off x="0" y="0"/>
+          <a:ext cx="0" cy="0"/>
+          <a:chOff x="0" y="0"/>
+          <a:chExt cx="0" cy="0"/>
+        </a:xfrm>
+      </p:grpSpPr>
+      <p:sp>
+        <p:nvSpPr>
+          <p:cNvPr id="2" name="Title 1">
+            <a:extLst>
+              <a:ext uri="{FF2B5EF4-FFF2-40B4-BE49-F238E27FC236}">
+                <a16:creationId xmlns:a16="http://schemas.microsoft.com/office/drawing/2014/main" id="{2E82F1E4-F076-E942-9422-C80650C54D57}"/>
+              </a:ext>
+            </a:extLst>
+          </p:cNvPr>
+          <p:cNvSpPr>
+            <a:spLocks noGrp="1"/>
+          </p:cNvSpPr>
+          <p:nvPr>
+            <p:ph type="title"/>
+          </p:nvPr>
+        </p:nvSpPr>
+        <p:spPr>
+          <a:xfrm>
+            <a:off x="1072662" y="580292"/>
+            <a:ext cx="3699363" cy="1163271"/>
+          </a:xfrm>
+          <a:gradFill>
+            <a:gsLst>
+              <a:gs pos="0">
+                <a:schemeClr val="accent1">
+                  <a:lumMod val="5000"/>
+                  <a:lumOff val="95000"/>
+                </a:schemeClr>
+              </a:gs>
+              <a:gs pos="0">
+                <a:schemeClr val="accent1">
+                  <a:lumMod val="45000"/>
+                  <a:lumOff val="55000"/>
+                </a:schemeClr>
+              </a:gs>
+              <a:gs pos="83000">
+                <a:schemeClr val="accent1">
+                  <a:lumMod val="45000"/>
+                  <a:lumOff val="55000"/>
+                </a:schemeClr>
+              </a:gs>
+              <a:gs pos="100000">
+                <a:schemeClr val="accent1">
+                  <a:lumMod val="30000"/>
+                  <a:lumOff val="70000"/>
+                </a:schemeClr>
+              </a:gs>
+            </a:gsLst>
+            <a:lin ang="5400000" scaled="1"/>
+          </a:gradFill>
+        </p:spPr>
+        <p:txBody>
+          <a:bodyPr>
+            <a:noAutofit/>
+          </a:bodyPr>
+          <a:lstStyle/>
+          <a:p>
+            <a:pPr algn="ctr"/>
+            <a:r>
+              <a:rPr lang="en-US" sz="3600" b="1" dirty="0"/>
+              <a:t>How it Relates to Fintech</a:t>
+            </a:r>
+          </a:p>
+        </p:txBody>
+      </p:sp>
+      <p:sp>
+        <p:nvSpPr>
+          <p:cNvPr id="3" name="Content Placeholder 2">
+            <a:extLst>
+              <a:ext uri="{FF2B5EF4-FFF2-40B4-BE49-F238E27FC236}">
+                <a16:creationId xmlns:a16="http://schemas.microsoft.com/office/drawing/2014/main" id="{CDFC95A7-4752-0F47-B80F-9F0C78361296}"/>
+              </a:ext>
+            </a:extLst>
+          </p:cNvPr>
+          <p:cNvSpPr>
+            <a:spLocks noGrp="1"/>
+          </p:cNvSpPr>
+          <p:nvPr>
+            <p:ph idx="1"/>
+          </p:nvPr>
+        </p:nvSpPr>
+        <p:spPr>
+          <a:blipFill>
+            <a:blip r:embed="rId2"/>
+            <a:stretch>
+              <a:fillRect/>
+            </a:stretch>
+          </a:blipFill>
+        </p:spPr>
+        <p:txBody>
+          <a:bodyPr/>
+          <a:lstStyle/>
+          <a:p>
+            <a:endParaRPr lang="en-US" dirty="0"/>
+          </a:p>
+        </p:txBody>
+      </p:sp>
+      <p:sp>
+        <p:nvSpPr>
+          <p:cNvPr id="4" name="Text Placeholder 3">
+            <a:extLst>
+              <a:ext uri="{FF2B5EF4-FFF2-40B4-BE49-F238E27FC236}">
+                <a16:creationId xmlns:a16="http://schemas.microsoft.com/office/drawing/2014/main" id="{5D80E32C-D6C0-B740-B0C5-AEACCCC076D9}"/>
+              </a:ext>
+            </a:extLst>
+          </p:cNvPr>
+          <p:cNvSpPr>
+            <a:spLocks noGrp="1"/>
+          </p:cNvSpPr>
+          <p:nvPr>
+            <p:ph type="body" sz="half" idx="2"/>
+          </p:nvPr>
+        </p:nvSpPr>
+        <p:spPr>
+          <a:gradFill>
+            <a:gsLst>
+              <a:gs pos="0">
+                <a:schemeClr val="accent1">
+                  <a:lumMod val="5000"/>
+                  <a:lumOff val="95000"/>
+                </a:schemeClr>
+              </a:gs>
+              <a:gs pos="0">
+                <a:schemeClr val="accent1">
+                  <a:lumMod val="45000"/>
+                  <a:lumOff val="55000"/>
+                </a:schemeClr>
+              </a:gs>
+              <a:gs pos="83000">
+                <a:schemeClr val="accent1">
+                  <a:lumMod val="45000"/>
+                  <a:lumOff val="55000"/>
+                </a:schemeClr>
+              </a:gs>
+              <a:gs pos="100000">
+                <a:schemeClr val="accent1">
+                  <a:lumMod val="30000"/>
+                  <a:lumOff val="70000"/>
+                </a:schemeClr>
+              </a:gs>
+            </a:gsLst>
+            <a:lin ang="5400000" scaled="1"/>
+          </a:gradFill>
+        </p:spPr>
+        <p:txBody>
+          <a:bodyPr>
+            <a:normAutofit lnSpcReduction="10000"/>
+          </a:bodyPr>
+          <a:lstStyle/>
+          <a:p>
+            <a:pPr marL="457200" indent="-457200">
+              <a:buFont typeface="Arial" panose="020B0604020202020204" pitchFamily="34" charset="0"/>
+              <a:buChar char="•"/>
+            </a:pPr>
+            <a:r>
+              <a:rPr lang="en-US" sz="3200" dirty="0"/>
+              <a:t>The efficacy of machine learning</a:t>
+            </a:r>
+          </a:p>
+          <a:p>
+            <a:pPr marL="457200" indent="-457200">
+              <a:buFont typeface="Arial" panose="020B0604020202020204" pitchFamily="34" charset="0"/>
+              <a:buChar char="•"/>
+            </a:pPr>
+            <a:r>
+              <a:rPr lang="en-US" sz="3200" dirty="0"/>
+              <a:t>Utilizes Trality cloud Services</a:t>
+            </a:r>
+          </a:p>
+          <a:p>
+            <a:pPr marL="457200" indent="-457200">
+              <a:buFont typeface="Arial" panose="020B0604020202020204" pitchFamily="34" charset="0"/>
+              <a:buChar char="•"/>
+            </a:pPr>
+            <a:r>
+              <a:rPr lang="en-US" sz="3200" dirty="0"/>
+              <a:t>Coding to find patterns in a Data Frame for predictive trades</a:t>
+            </a:r>
+          </a:p>
+        </p:txBody>
+      </p:sp>
+    </p:spTree>
+    <p:extLst>
+      <p:ext uri="{BB962C8B-B14F-4D97-AF65-F5344CB8AC3E}">
+        <p14:creationId xmlns:p14="http://schemas.microsoft.com/office/powerpoint/2010/main" val="2070779847"/>
+      </p:ext>
+    </p:extLst>
+  </p:cSld>
+  <p:clrMapOvr>
+    <a:masterClrMapping/>
+  </p:clrMapOvr>
+</p:sld>
+</file>
+
+<file path=ppt/slides/slide4.xml><?xml version="1.0" encoding="utf-8"?>
 <p:sld xmlns:a="http://schemas.openxmlformats.org/drawingml/2006/main" xmlns:r="http://schemas.openxmlformats.org/officeDocument/2006/relationships" xmlns:p="http://schemas.openxmlformats.org/presentationml/2006/main">
   <p:cSld>
     <p:spTree>
@@ -4697,7 +5005,7 @@
 </p:sld>
 </file>
 
-<file path=ppt/slides/slide4.xml><?xml version="1.0" encoding="utf-8"?>
+<file path=ppt/slides/slide5.xml><?xml version="1.0" encoding="utf-8"?>
 <p:sld xmlns:a="http://schemas.openxmlformats.org/drawingml/2006/main" xmlns:r="http://schemas.openxmlformats.org/officeDocument/2006/relationships" xmlns:p="http://schemas.openxmlformats.org/presentationml/2006/main">
   <p:cSld>
     <p:spTree>
@@ -5159,217 +5467,6 @@
     <p:extLst>
       <p:ext uri="{BB962C8B-B14F-4D97-AF65-F5344CB8AC3E}">
         <p14:creationId xmlns:p14="http://schemas.microsoft.com/office/powerpoint/2010/main" val="2223910811"/>
-      </p:ext>
-    </p:extLst>
-  </p:cSld>
-  <p:clrMapOvr>
-    <a:masterClrMapping/>
-  </p:clrMapOvr>
-</p:sld>
-</file>
-
-<file path=ppt/slides/slide5.xml><?xml version="1.0" encoding="utf-8"?>
-<p:sld xmlns:a="http://schemas.openxmlformats.org/drawingml/2006/main" xmlns:r="http://schemas.openxmlformats.org/officeDocument/2006/relationships" xmlns:p="http://schemas.openxmlformats.org/presentationml/2006/main">
-  <p:cSld>
-    <p:spTree>
-      <p:nvGrpSpPr>
-        <p:cNvPr id="1" name=""/>
-        <p:cNvGrpSpPr/>
-        <p:nvPr/>
-      </p:nvGrpSpPr>
-      <p:grpSpPr>
-        <a:xfrm>
-          <a:off x="0" y="0"/>
-          <a:ext cx="0" cy="0"/>
-          <a:chOff x="0" y="0"/>
-          <a:chExt cx="0" cy="0"/>
-        </a:xfrm>
-      </p:grpSpPr>
-      <p:sp>
-        <p:nvSpPr>
-          <p:cNvPr id="2" name="Title 1">
-            <a:extLst>
-              <a:ext uri="{FF2B5EF4-FFF2-40B4-BE49-F238E27FC236}">
-                <a16:creationId xmlns:a16="http://schemas.microsoft.com/office/drawing/2014/main" id="{2E82F1E4-F076-E942-9422-C80650C54D57}"/>
-              </a:ext>
-            </a:extLst>
-          </p:cNvPr>
-          <p:cNvSpPr>
-            <a:spLocks noGrp="1"/>
-          </p:cNvSpPr>
-          <p:nvPr>
-            <p:ph type="title"/>
-          </p:nvPr>
-        </p:nvSpPr>
-        <p:spPr>
-          <a:xfrm>
-            <a:off x="1072662" y="580292"/>
-            <a:ext cx="3699363" cy="1163271"/>
-          </a:xfrm>
-          <a:gradFill>
-            <a:gsLst>
-              <a:gs pos="0">
-                <a:schemeClr val="accent1">
-                  <a:lumMod val="5000"/>
-                  <a:lumOff val="95000"/>
-                </a:schemeClr>
-              </a:gs>
-              <a:gs pos="0">
-                <a:schemeClr val="accent1">
-                  <a:lumMod val="45000"/>
-                  <a:lumOff val="55000"/>
-                </a:schemeClr>
-              </a:gs>
-              <a:gs pos="83000">
-                <a:schemeClr val="accent1">
-                  <a:lumMod val="45000"/>
-                  <a:lumOff val="55000"/>
-                </a:schemeClr>
-              </a:gs>
-              <a:gs pos="100000">
-                <a:schemeClr val="accent1">
-                  <a:lumMod val="30000"/>
-                  <a:lumOff val="70000"/>
-                </a:schemeClr>
-              </a:gs>
-            </a:gsLst>
-            <a:lin ang="5400000" scaled="1"/>
-          </a:gradFill>
-        </p:spPr>
-        <p:txBody>
-          <a:bodyPr>
-            <a:noAutofit/>
-          </a:bodyPr>
-          <a:lstStyle/>
-          <a:p>
-            <a:pPr algn="ctr"/>
-            <a:r>
-              <a:rPr lang="en-US" sz="3600" b="1" dirty="0"/>
-              <a:t>How it Relates to Fintech</a:t>
-            </a:r>
-          </a:p>
-        </p:txBody>
-      </p:sp>
-      <p:sp>
-        <p:nvSpPr>
-          <p:cNvPr id="3" name="Content Placeholder 2">
-            <a:extLst>
-              <a:ext uri="{FF2B5EF4-FFF2-40B4-BE49-F238E27FC236}">
-                <a16:creationId xmlns:a16="http://schemas.microsoft.com/office/drawing/2014/main" id="{CDFC95A7-4752-0F47-B80F-9F0C78361296}"/>
-              </a:ext>
-            </a:extLst>
-          </p:cNvPr>
-          <p:cNvSpPr>
-            <a:spLocks noGrp="1"/>
-          </p:cNvSpPr>
-          <p:nvPr>
-            <p:ph idx="1"/>
-          </p:nvPr>
-        </p:nvSpPr>
-        <p:spPr>
-          <a:blipFill>
-            <a:blip r:embed="rId2"/>
-            <a:stretch>
-              <a:fillRect/>
-            </a:stretch>
-          </a:blipFill>
-        </p:spPr>
-        <p:txBody>
-          <a:bodyPr/>
-          <a:lstStyle/>
-          <a:p>
-            <a:endParaRPr lang="en-US" dirty="0"/>
-          </a:p>
-        </p:txBody>
-      </p:sp>
-      <p:sp>
-        <p:nvSpPr>
-          <p:cNvPr id="4" name="Text Placeholder 3">
-            <a:extLst>
-              <a:ext uri="{FF2B5EF4-FFF2-40B4-BE49-F238E27FC236}">
-                <a16:creationId xmlns:a16="http://schemas.microsoft.com/office/drawing/2014/main" id="{5D80E32C-D6C0-B740-B0C5-AEACCCC076D9}"/>
-              </a:ext>
-            </a:extLst>
-          </p:cNvPr>
-          <p:cNvSpPr>
-            <a:spLocks noGrp="1"/>
-          </p:cNvSpPr>
-          <p:nvPr>
-            <p:ph type="body" sz="half" idx="2"/>
-          </p:nvPr>
-        </p:nvSpPr>
-        <p:spPr>
-          <a:gradFill>
-            <a:gsLst>
-              <a:gs pos="0">
-                <a:schemeClr val="accent1">
-                  <a:lumMod val="5000"/>
-                  <a:lumOff val="95000"/>
-                </a:schemeClr>
-              </a:gs>
-              <a:gs pos="0">
-                <a:schemeClr val="accent1">
-                  <a:lumMod val="45000"/>
-                  <a:lumOff val="55000"/>
-                </a:schemeClr>
-              </a:gs>
-              <a:gs pos="83000">
-                <a:schemeClr val="accent1">
-                  <a:lumMod val="45000"/>
-                  <a:lumOff val="55000"/>
-                </a:schemeClr>
-              </a:gs>
-              <a:gs pos="100000">
-                <a:schemeClr val="accent1">
-                  <a:lumMod val="30000"/>
-                  <a:lumOff val="70000"/>
-                </a:schemeClr>
-              </a:gs>
-            </a:gsLst>
-            <a:lin ang="5400000" scaled="1"/>
-          </a:gradFill>
-        </p:spPr>
-        <p:txBody>
-          <a:bodyPr>
-            <a:normAutofit lnSpcReduction="10000"/>
-          </a:bodyPr>
-          <a:lstStyle/>
-          <a:p>
-            <a:pPr marL="457200" indent="-457200">
-              <a:buFont typeface="Arial" panose="020B0604020202020204" pitchFamily="34" charset="0"/>
-              <a:buChar char="•"/>
-            </a:pPr>
-            <a:r>
-              <a:rPr lang="en-US" sz="3200" dirty="0"/>
-              <a:t>The efficacy of machine learning</a:t>
-            </a:r>
-          </a:p>
-          <a:p>
-            <a:pPr marL="457200" indent="-457200">
-              <a:buFont typeface="Arial" panose="020B0604020202020204" pitchFamily="34" charset="0"/>
-              <a:buChar char="•"/>
-            </a:pPr>
-            <a:r>
-              <a:rPr lang="en-US" sz="3200" dirty="0"/>
-              <a:t>Utilizes Trality cloud Services</a:t>
-            </a:r>
-          </a:p>
-          <a:p>
-            <a:pPr marL="457200" indent="-457200">
-              <a:buFont typeface="Arial" panose="020B0604020202020204" pitchFamily="34" charset="0"/>
-              <a:buChar char="•"/>
-            </a:pPr>
-            <a:r>
-              <a:rPr lang="en-US" sz="3200" dirty="0"/>
-              <a:t>Coding to find patterns in a Data Frame for predictive trades</a:t>
-            </a:r>
-          </a:p>
-        </p:txBody>
-      </p:sp>
-    </p:spTree>
-    <p:extLst>
-      <p:ext uri="{BB962C8B-B14F-4D97-AF65-F5344CB8AC3E}">
-        <p14:creationId xmlns:p14="http://schemas.microsoft.com/office/powerpoint/2010/main" val="2070779847"/>
       </p:ext>
     </p:extLst>
   </p:cSld>
@@ -5845,7 +5942,7 @@
           <p:cNvPr id="2" name="Title 1">
             <a:extLst>
               <a:ext uri="{FF2B5EF4-FFF2-40B4-BE49-F238E27FC236}">
-                <a16:creationId xmlns:a16="http://schemas.microsoft.com/office/drawing/2014/main" id="{80EEA8DB-0BEE-E840-AB80-89275902C579}"/>
+                <a16:creationId xmlns:a16="http://schemas.microsoft.com/office/drawing/2014/main" id="{134BF3C6-BD78-E640-801B-A03514D2751A}"/>
               </a:ext>
             </a:extLst>
           </p:cNvPr>
@@ -5856,46 +5953,133 @@
             <p:ph type="title"/>
           </p:nvPr>
         </p:nvSpPr>
-        <p:spPr/>
+        <p:spPr>
+          <a:gradFill>
+            <a:gsLst>
+              <a:gs pos="0">
+                <a:schemeClr val="accent1">
+                  <a:lumMod val="5000"/>
+                  <a:lumOff val="95000"/>
+                </a:schemeClr>
+              </a:gs>
+              <a:gs pos="0">
+                <a:schemeClr val="accent1">
+                  <a:lumMod val="45000"/>
+                  <a:lumOff val="55000"/>
+                </a:schemeClr>
+              </a:gs>
+              <a:gs pos="83000">
+                <a:schemeClr val="accent1">
+                  <a:lumMod val="45000"/>
+                  <a:lumOff val="55000"/>
+                </a:schemeClr>
+              </a:gs>
+              <a:gs pos="100000">
+                <a:schemeClr val="accent1">
+                  <a:lumMod val="30000"/>
+                  <a:lumOff val="70000"/>
+                </a:schemeClr>
+              </a:gs>
+            </a:gsLst>
+            <a:lin ang="5400000" scaled="1"/>
+          </a:gradFill>
+        </p:spPr>
+        <p:txBody>
+          <a:bodyPr>
+            <a:normAutofit/>
+          </a:bodyPr>
+          <a:lstStyle/>
+          <a:p>
+            <a:r>
+              <a:rPr lang="en-US" sz="4000" b="1" dirty="0"/>
+              <a:t>What We Saw in the Application of the Algorithm</a:t>
+            </a:r>
+          </a:p>
+        </p:txBody>
+      </p:sp>
+      <p:sp>
+        <p:nvSpPr>
+          <p:cNvPr id="3" name="Content Placeholder 2">
+            <a:extLst>
+              <a:ext uri="{FF2B5EF4-FFF2-40B4-BE49-F238E27FC236}">
+                <a16:creationId xmlns:a16="http://schemas.microsoft.com/office/drawing/2014/main" id="{B1A46471-DB52-1F46-AE12-167276709A54}"/>
+              </a:ext>
+            </a:extLst>
+          </p:cNvPr>
+          <p:cNvSpPr>
+            <a:spLocks noGrp="1"/>
+          </p:cNvSpPr>
+          <p:nvPr>
+            <p:ph idx="1"/>
+          </p:nvPr>
+        </p:nvSpPr>
+        <p:spPr>
+          <a:gradFill>
+            <a:gsLst>
+              <a:gs pos="0">
+                <a:schemeClr val="accent1">
+                  <a:lumMod val="5000"/>
+                  <a:lumOff val="95000"/>
+                </a:schemeClr>
+              </a:gs>
+              <a:gs pos="0">
+                <a:schemeClr val="accent1">
+                  <a:lumMod val="45000"/>
+                  <a:lumOff val="55000"/>
+                </a:schemeClr>
+              </a:gs>
+              <a:gs pos="83000">
+                <a:schemeClr val="accent1">
+                  <a:lumMod val="45000"/>
+                  <a:lumOff val="55000"/>
+                </a:schemeClr>
+              </a:gs>
+              <a:gs pos="100000">
+                <a:schemeClr val="accent1">
+                  <a:lumMod val="30000"/>
+                  <a:lumOff val="70000"/>
+                </a:schemeClr>
+              </a:gs>
+            </a:gsLst>
+            <a:lin ang="5400000" scaled="1"/>
+          </a:gradFill>
+        </p:spPr>
         <p:txBody>
           <a:bodyPr/>
           <a:lstStyle/>
           <a:p>
-            <a:pPr algn="ctr"/>
-            <a:r>
-              <a:rPr lang="en-US" b="1" dirty="0"/>
-              <a:t>Trality Trading Algorithm Demonstration</a:t>
-            </a:r>
-          </a:p>
-        </p:txBody>
-      </p:sp>
-      <p:sp>
-        <p:nvSpPr>
-          <p:cNvPr id="3" name="Content Placeholder 2">
-            <a:extLst>
-              <a:ext uri="{FF2B5EF4-FFF2-40B4-BE49-F238E27FC236}">
-                <a16:creationId xmlns:a16="http://schemas.microsoft.com/office/drawing/2014/main" id="{6E73957A-8810-4D47-9096-97D3488A3BB7}"/>
-              </a:ext>
-            </a:extLst>
-          </p:cNvPr>
-          <p:cNvSpPr>
-            <a:spLocks noGrp="1"/>
-          </p:cNvSpPr>
-          <p:nvPr>
-            <p:ph idx="1"/>
-          </p:nvPr>
-        </p:nvSpPr>
-        <p:spPr>
-          <a:blipFill>
-            <a:blip r:embed="rId2"/>
-            <a:stretch>
-              <a:fillRect/>
-            </a:stretch>
-          </a:blipFill>
-        </p:spPr>
-        <p:txBody>
-          <a:bodyPr/>
-          <a:lstStyle/>
+            <a:pPr marL="0" indent="0">
+              <a:buNone/>
+            </a:pPr>
+            <a:r>
+              <a:rPr lang="en-US" dirty="0"/>
+              <a:t>Results:</a:t>
+            </a:r>
+          </a:p>
+          <a:p>
+            <a:r>
+              <a:rPr lang="en-US" dirty="0"/>
+              <a:t>The EURUSD &amp; the USDJPY had the highest returns.</a:t>
+            </a:r>
+          </a:p>
+          <a:p>
+            <a:r>
+              <a:rPr lang="en-US" dirty="0"/>
+              <a:t>The GBPUSD has the lowest daily return</a:t>
+            </a:r>
+          </a:p>
+          <a:p>
+            <a:r>
+              <a:rPr lang="en-US" dirty="0"/>
+              <a:t>Standard Deviation: USDJPY has the highest volatility, while the USDCHF has the lowest.</a:t>
+            </a:r>
+          </a:p>
+          <a:p>
+            <a:pPr marL="0" indent="0">
+              <a:buNone/>
+            </a:pPr>
+            <a:endParaRPr lang="en-US" dirty="0"/>
+          </a:p>
           <a:p>
             <a:endParaRPr lang="en-US" dirty="0"/>
           </a:p>
@@ -5904,7 +6088,7 @@
     </p:spTree>
     <p:extLst>
       <p:ext uri="{BB962C8B-B14F-4D97-AF65-F5344CB8AC3E}">
-        <p14:creationId xmlns:p14="http://schemas.microsoft.com/office/powerpoint/2010/main" val="3032074954"/>
+        <p14:creationId xmlns:p14="http://schemas.microsoft.com/office/powerpoint/2010/main" val="2631891964"/>
       </p:ext>
     </p:extLst>
   </p:cSld>
@@ -6008,6 +6192,10 @@
           </p:nvPr>
         </p:nvSpPr>
         <p:spPr>
+          <a:xfrm>
+            <a:off x="3519948" y="1870031"/>
+            <a:ext cx="5346290" cy="4351338"/>
+          </a:xfrm>
           <a:gradFill>
             <a:gsLst>
               <a:gs pos="0">
@@ -6045,33 +6233,6 @@
             <a:pPr marL="0" indent="0">
               <a:buNone/>
             </a:pPr>
-            <a:r>
-              <a:rPr lang="en-US" dirty="0"/>
-              <a:t>Results:</a:t>
-            </a:r>
-          </a:p>
-          <a:p>
-            <a:r>
-              <a:rPr lang="en-US" dirty="0"/>
-              <a:t>The EURUSD &amp; the USDJPY had the highest returns.</a:t>
-            </a:r>
-          </a:p>
-          <a:p>
-            <a:r>
-              <a:rPr lang="en-US" dirty="0"/>
-              <a:t>The GBPUSD has the lowest daily return</a:t>
-            </a:r>
-          </a:p>
-          <a:p>
-            <a:r>
-              <a:rPr lang="en-US" dirty="0"/>
-              <a:t>Standard Deviation: USDJPY has the highest volatility, while the USDCHF has the lowest.</a:t>
-            </a:r>
-          </a:p>
-          <a:p>
-            <a:pPr marL="0" indent="0">
-              <a:buNone/>
-            </a:pPr>
             <a:endParaRPr lang="en-US" dirty="0"/>
           </a:p>
           <a:p>
@@ -6079,10 +6240,40 @@
           </a:p>
         </p:txBody>
       </p:sp>
+      <p:pic>
+        <p:nvPicPr>
+          <p:cNvPr id="5" name="Imagen 4">
+            <a:extLst>
+              <a:ext uri="{FF2B5EF4-FFF2-40B4-BE49-F238E27FC236}">
+                <a16:creationId xmlns:a16="http://schemas.microsoft.com/office/drawing/2014/main" id="{1CA53CFE-2123-47B3-B68B-4D9199461677}"/>
+              </a:ext>
+            </a:extLst>
+          </p:cNvPr>
+          <p:cNvPicPr>
+            <a:picLocks noChangeAspect="1"/>
+          </p:cNvPicPr>
+          <p:nvPr/>
+        </p:nvPicPr>
+        <p:blipFill>
+          <a:blip r:embed="rId2"/>
+          <a:stretch>
+            <a:fillRect/>
+          </a:stretch>
+        </p:blipFill>
+        <p:spPr>
+          <a:xfrm>
+            <a:off x="2074606" y="1825625"/>
+            <a:ext cx="8062452" cy="4440150"/>
+          </a:xfrm>
+          <a:prstGeom prst="rect">
+            <a:avLst/>
+          </a:prstGeom>
+        </p:spPr>
+      </p:pic>
     </p:spTree>
     <p:extLst>
       <p:ext uri="{BB962C8B-B14F-4D97-AF65-F5344CB8AC3E}">
-        <p14:creationId xmlns:p14="http://schemas.microsoft.com/office/powerpoint/2010/main" val="2631891964"/>
+        <p14:creationId xmlns:p14="http://schemas.microsoft.com/office/powerpoint/2010/main" val="340474091"/>
       </p:ext>
     </p:extLst>
   </p:cSld>
